--- a/ppt.pptx
+++ b/ppt.pptx
@@ -5,7 +5,7 @@
     <p:sldMasterId id="2147483744" r:id="rId1"/>
   </p:sldMasterIdLst>
   <p:notesMasterIdLst>
-    <p:notesMasterId r:id="rId11"/>
+    <p:notesMasterId r:id="rId14"/>
   </p:notesMasterIdLst>
   <p:sldIdLst>
     <p:sldId id="256" r:id="rId2"/>
@@ -15,8 +15,11 @@
     <p:sldId id="261" r:id="rId6"/>
     <p:sldId id="262" r:id="rId7"/>
     <p:sldId id="263" r:id="rId8"/>
-    <p:sldId id="264" r:id="rId9"/>
-    <p:sldId id="265" r:id="rId10"/>
+    <p:sldId id="266" r:id="rId9"/>
+    <p:sldId id="267" r:id="rId10"/>
+    <p:sldId id="268" r:id="rId11"/>
+    <p:sldId id="264" r:id="rId12"/>
+    <p:sldId id="265" r:id="rId13"/>
   </p:sldIdLst>
   <p:sldSz cx="12192000" cy="6858000"/>
   <p:notesSz cx="6858000" cy="9144000"/>
@@ -217,7 +220,7 @@
           <a:p>
             <a:fld id="{C4C5836C-2321-4C88-B91E-A457FB3FE8C4}" type="datetimeFigureOut">
               <a:rPr lang="en-IN" smtClean="0"/>
-              <a:t>11-03-2023</a:t>
+              <a:t>15-03-2023</a:t>
             </a:fld>
             <a:endParaRPr lang="en-IN"/>
           </a:p>
@@ -648,7 +651,7 @@
           <a:p>
             <a:fld id="{0DB41AEA-FD27-4C32-8C63-7E4C6DC1D784}" type="datetimeFigureOut">
               <a:rPr lang="en-IN" smtClean="0"/>
-              <a:t>11-03-2023</a:t>
+              <a:t>15-03-2023</a:t>
             </a:fld>
             <a:endParaRPr lang="en-IN"/>
           </a:p>
@@ -818,7 +821,7 @@
           <a:p>
             <a:fld id="{0DB41AEA-FD27-4C32-8C63-7E4C6DC1D784}" type="datetimeFigureOut">
               <a:rPr lang="en-IN" smtClean="0"/>
-              <a:t>11-03-2023</a:t>
+              <a:t>15-03-2023</a:t>
             </a:fld>
             <a:endParaRPr lang="en-IN"/>
           </a:p>
@@ -998,7 +1001,7 @@
           <a:p>
             <a:fld id="{0DB41AEA-FD27-4C32-8C63-7E4C6DC1D784}" type="datetimeFigureOut">
               <a:rPr lang="en-IN" smtClean="0"/>
-              <a:t>11-03-2023</a:t>
+              <a:t>15-03-2023</a:t>
             </a:fld>
             <a:endParaRPr lang="en-IN"/>
           </a:p>
@@ -1168,7 +1171,7 @@
           <a:p>
             <a:fld id="{0DB41AEA-FD27-4C32-8C63-7E4C6DC1D784}" type="datetimeFigureOut">
               <a:rPr lang="en-IN" smtClean="0"/>
-              <a:t>11-03-2023</a:t>
+              <a:t>15-03-2023</a:t>
             </a:fld>
             <a:endParaRPr lang="en-IN"/>
           </a:p>
@@ -1436,7 +1439,7 @@
           <a:p>
             <a:fld id="{0DB41AEA-FD27-4C32-8C63-7E4C6DC1D784}" type="datetimeFigureOut">
               <a:rPr lang="en-IN" smtClean="0"/>
-              <a:t>11-03-2023</a:t>
+              <a:t>15-03-2023</a:t>
             </a:fld>
             <a:endParaRPr lang="en-IN"/>
           </a:p>
@@ -1668,7 +1671,7 @@
           <a:p>
             <a:fld id="{0DB41AEA-FD27-4C32-8C63-7E4C6DC1D784}" type="datetimeFigureOut">
               <a:rPr lang="en-IN" smtClean="0"/>
-              <a:t>11-03-2023</a:t>
+              <a:t>15-03-2023</a:t>
             </a:fld>
             <a:endParaRPr lang="en-IN"/>
           </a:p>
@@ -2027,7 +2030,7 @@
           <a:p>
             <a:fld id="{0DB41AEA-FD27-4C32-8C63-7E4C6DC1D784}" type="datetimeFigureOut">
               <a:rPr lang="en-IN" smtClean="0"/>
-              <a:t>11-03-2023</a:t>
+              <a:t>15-03-2023</a:t>
             </a:fld>
             <a:endParaRPr lang="en-IN"/>
           </a:p>
@@ -2168,7 +2171,7 @@
           <a:p>
             <a:fld id="{0DB41AEA-FD27-4C32-8C63-7E4C6DC1D784}" type="datetimeFigureOut">
               <a:rPr lang="en-IN" smtClean="0"/>
-              <a:t>11-03-2023</a:t>
+              <a:t>15-03-2023</a:t>
             </a:fld>
             <a:endParaRPr lang="en-IN"/>
           </a:p>
@@ -2263,7 +2266,7 @@
           <a:p>
             <a:fld id="{0DB41AEA-FD27-4C32-8C63-7E4C6DC1D784}" type="datetimeFigureOut">
               <a:rPr lang="en-IN" smtClean="0"/>
-              <a:t>11-03-2023</a:t>
+              <a:t>15-03-2023</a:t>
             </a:fld>
             <a:endParaRPr lang="en-IN"/>
           </a:p>
@@ -2620,7 +2623,7 @@
           <a:p>
             <a:fld id="{0DB41AEA-FD27-4C32-8C63-7E4C6DC1D784}" type="datetimeFigureOut">
               <a:rPr lang="en-IN" smtClean="0"/>
-              <a:t>11-03-2023</a:t>
+              <a:t>15-03-2023</a:t>
             </a:fld>
             <a:endParaRPr lang="en-IN"/>
           </a:p>
@@ -2977,7 +2980,7 @@
           <a:p>
             <a:fld id="{0DB41AEA-FD27-4C32-8C63-7E4C6DC1D784}" type="datetimeFigureOut">
               <a:rPr lang="en-IN" smtClean="0"/>
-              <a:t>11-03-2023</a:t>
+              <a:t>15-03-2023</a:t>
             </a:fld>
             <a:endParaRPr lang="en-IN"/>
           </a:p>
@@ -3219,7 +3222,7 @@
           <a:p>
             <a:fld id="{0DB41AEA-FD27-4C32-8C63-7E4C6DC1D784}" type="datetimeFigureOut">
               <a:rPr lang="en-IN" smtClean="0"/>
-              <a:t>11-03-2023</a:t>
+              <a:t>15-03-2023</a:t>
             </a:fld>
             <a:endParaRPr lang="en-IN"/>
           </a:p>
@@ -3840,6 +3843,359 @@
 </p:sld>
 </file>
 
+<file path=ppt/slides/slide10.xml><?xml version="1.0" encoding="utf-8"?>
+<p:sld xmlns:a="http://schemas.openxmlformats.org/drawingml/2006/main" xmlns:r="http://schemas.openxmlformats.org/officeDocument/2006/relationships" xmlns:p="http://schemas.openxmlformats.org/presentationml/2006/main">
+  <p:cSld>
+    <p:spTree>
+      <p:nvGrpSpPr>
+        <p:cNvPr id="1" name=""/>
+        <p:cNvGrpSpPr/>
+        <p:nvPr/>
+      </p:nvGrpSpPr>
+      <p:grpSpPr>
+        <a:xfrm>
+          <a:off x="0" y="0"/>
+          <a:ext cx="0" cy="0"/>
+          <a:chOff x="0" y="0"/>
+          <a:chExt cx="0" cy="0"/>
+        </a:xfrm>
+      </p:grpSpPr>
+      <p:sp>
+        <p:nvSpPr>
+          <p:cNvPr id="2" name="Title 1">
+            <a:extLst>
+              <a:ext uri="{FF2B5EF4-FFF2-40B4-BE49-F238E27FC236}">
+                <a16:creationId xmlns:a16="http://schemas.microsoft.com/office/drawing/2014/main" id="{825400C3-3ECD-4C67-AE54-6C4443305641}"/>
+              </a:ext>
+            </a:extLst>
+          </p:cNvPr>
+          <p:cNvSpPr>
+            <a:spLocks noGrp="1"/>
+          </p:cNvSpPr>
+          <p:nvPr>
+            <p:ph type="title"/>
+          </p:nvPr>
+        </p:nvSpPr>
+        <p:spPr>
+          <a:xfrm>
+            <a:off x="1887006" y="679558"/>
+            <a:ext cx="7256994" cy="539643"/>
+          </a:xfrm>
+        </p:spPr>
+        <p:txBody>
+          <a:bodyPr>
+            <a:normAutofit fontScale="90000"/>
+          </a:bodyPr>
+          <a:lstStyle/>
+          <a:p>
+            <a:r>
+              <a:rPr lang="en-IN" dirty="0"/>
+              <a:t>Prevention</a:t>
+            </a:r>
+          </a:p>
+        </p:txBody>
+      </p:sp>
+      <p:sp>
+        <p:nvSpPr>
+          <p:cNvPr id="3" name="Content Placeholder 2">
+            <a:extLst>
+              <a:ext uri="{FF2B5EF4-FFF2-40B4-BE49-F238E27FC236}">
+                <a16:creationId xmlns:a16="http://schemas.microsoft.com/office/drawing/2014/main" id="{2A2474F9-0CFA-4CA4-943B-3E6BF0DE507C}"/>
+              </a:ext>
+            </a:extLst>
+          </p:cNvPr>
+          <p:cNvSpPr>
+            <a:spLocks noGrp="1"/>
+          </p:cNvSpPr>
+          <p:nvPr>
+            <p:ph idx="1"/>
+          </p:nvPr>
+        </p:nvSpPr>
+        <p:spPr>
+          <a:xfrm>
+            <a:off x="958251" y="1661653"/>
+            <a:ext cx="9114504" cy="4778476"/>
+          </a:xfrm>
+        </p:spPr>
+        <p:txBody>
+          <a:bodyPr>
+            <a:normAutofit/>
+          </a:bodyPr>
+          <a:lstStyle/>
+          <a:p>
+            <a:r>
+              <a:rPr lang="en-US" sz="2000" dirty="0">
+                <a:latin typeface="Times New Roman" panose="02020603050405020304" pitchFamily="18" charset="0"/>
+                <a:cs typeface="Times New Roman" panose="02020603050405020304" pitchFamily="18" charset="0"/>
+              </a:rPr>
+              <a:t>Increasing tight security on critical infrastructure like (Nuclear Power Stations, Airport, Seaport).</a:t>
+            </a:r>
+          </a:p>
+          <a:p>
+            <a:r>
+              <a:rPr lang="en-US" sz="2000" dirty="0">
+                <a:latin typeface="Times New Roman" panose="02020603050405020304" pitchFamily="18" charset="0"/>
+                <a:cs typeface="Times New Roman" panose="02020603050405020304" pitchFamily="18" charset="0"/>
+              </a:rPr>
+              <a:t>Addressing the root cause of terrorism (for e.g. Terrorist attack due poverty , Agriculture ) and government should take response and solve the problem.</a:t>
+            </a:r>
+          </a:p>
+          <a:p>
+            <a:r>
+              <a:rPr lang="en-US" sz="2000" dirty="0">
+                <a:latin typeface="Times New Roman" panose="02020603050405020304" pitchFamily="18" charset="0"/>
+                <a:cs typeface="Times New Roman" panose="02020603050405020304" pitchFamily="18" charset="0"/>
+              </a:rPr>
+              <a:t>Satellite surveillance in the border. </a:t>
+            </a:r>
+          </a:p>
+          <a:p>
+            <a:endParaRPr lang="en-US" sz="2000" dirty="0">
+              <a:latin typeface="Times New Roman" panose="02020603050405020304" pitchFamily="18" charset="0"/>
+              <a:cs typeface="Times New Roman" panose="02020603050405020304" pitchFamily="18" charset="0"/>
+            </a:endParaRPr>
+          </a:p>
+          <a:p>
+            <a:pPr marL="0" indent="0">
+              <a:buNone/>
+            </a:pPr>
+            <a:endParaRPr lang="en-US" sz="2000" dirty="0">
+              <a:latin typeface="Times New Roman" panose="02020603050405020304" pitchFamily="18" charset="0"/>
+              <a:cs typeface="Times New Roman" panose="02020603050405020304" pitchFamily="18" charset="0"/>
+            </a:endParaRPr>
+          </a:p>
+        </p:txBody>
+      </p:sp>
+    </p:spTree>
+    <p:extLst>
+      <p:ext uri="{BB962C8B-B14F-4D97-AF65-F5344CB8AC3E}">
+        <p14:creationId xmlns:p14="http://schemas.microsoft.com/office/powerpoint/2010/main" val="575914793"/>
+      </p:ext>
+    </p:extLst>
+  </p:cSld>
+  <p:clrMapOvr>
+    <a:masterClrMapping/>
+  </p:clrMapOvr>
+  <mc:AlternateContent xmlns:mc="http://schemas.openxmlformats.org/markup-compatibility/2006">
+    <mc:Choice xmlns:p159="http://schemas.microsoft.com/office/powerpoint/2015/09/main" Requires="p159">
+      <p:transition xmlns:p14="http://schemas.microsoft.com/office/powerpoint/2010/main" spd="slow" p14:dur="2000">
+        <p159:morph option="byObject"/>
+      </p:transition>
+    </mc:Choice>
+    <mc:Fallback>
+      <p:transition spd="slow">
+        <p:fade/>
+      </p:transition>
+    </mc:Fallback>
+  </mc:AlternateContent>
+</p:sld>
+</file>
+
+<file path=ppt/slides/slide11.xml><?xml version="1.0" encoding="utf-8"?>
+<p:sld xmlns:a="http://schemas.openxmlformats.org/drawingml/2006/main" xmlns:r="http://schemas.openxmlformats.org/officeDocument/2006/relationships" xmlns:p="http://schemas.openxmlformats.org/presentationml/2006/main">
+  <p:cSld>
+    <p:spTree>
+      <p:nvGrpSpPr>
+        <p:cNvPr id="1" name=""/>
+        <p:cNvGrpSpPr/>
+        <p:nvPr/>
+      </p:nvGrpSpPr>
+      <p:grpSpPr>
+        <a:xfrm>
+          <a:off x="0" y="0"/>
+          <a:ext cx="0" cy="0"/>
+          <a:chOff x="0" y="0"/>
+          <a:chExt cx="0" cy="0"/>
+        </a:xfrm>
+      </p:grpSpPr>
+      <p:sp>
+        <p:nvSpPr>
+          <p:cNvPr id="2" name="Title 1">
+            <a:extLst>
+              <a:ext uri="{FF2B5EF4-FFF2-40B4-BE49-F238E27FC236}">
+                <a16:creationId xmlns:a16="http://schemas.microsoft.com/office/drawing/2014/main" id="{E06AE9AC-BC9C-4E72-8245-26CADBAD4A3F}"/>
+              </a:ext>
+            </a:extLst>
+          </p:cNvPr>
+          <p:cNvSpPr>
+            <a:spLocks noGrp="1"/>
+          </p:cNvSpPr>
+          <p:nvPr>
+            <p:ph type="title"/>
+          </p:nvPr>
+        </p:nvSpPr>
+        <p:spPr>
+          <a:xfrm>
+            <a:off x="1946001" y="2646008"/>
+            <a:ext cx="7729728" cy="1188720"/>
+          </a:xfrm>
+        </p:spPr>
+        <p:txBody>
+          <a:bodyPr/>
+          <a:lstStyle/>
+          <a:p>
+            <a:r>
+              <a:rPr lang="en-IN" dirty="0"/>
+              <a:t>Thank you</a:t>
+            </a:r>
+          </a:p>
+        </p:txBody>
+      </p:sp>
+    </p:spTree>
+    <p:extLst>
+      <p:ext uri="{BB962C8B-B14F-4D97-AF65-F5344CB8AC3E}">
+        <p14:creationId xmlns:p14="http://schemas.microsoft.com/office/powerpoint/2010/main" val="2443240942"/>
+      </p:ext>
+    </p:extLst>
+  </p:cSld>
+  <p:clrMapOvr>
+    <a:masterClrMapping/>
+  </p:clrMapOvr>
+</p:sld>
+</file>
+
+<file path=ppt/slides/slide12.xml><?xml version="1.0" encoding="utf-8"?>
+<p:sld xmlns:a="http://schemas.openxmlformats.org/drawingml/2006/main" xmlns:r="http://schemas.openxmlformats.org/officeDocument/2006/relationships" xmlns:p="http://schemas.openxmlformats.org/presentationml/2006/main">
+  <p:cSld>
+    <p:spTree>
+      <p:nvGrpSpPr>
+        <p:cNvPr id="1" name=""/>
+        <p:cNvGrpSpPr/>
+        <p:nvPr/>
+      </p:nvGrpSpPr>
+      <p:grpSpPr>
+        <a:xfrm>
+          <a:off x="0" y="0"/>
+          <a:ext cx="0" cy="0"/>
+          <a:chOff x="0" y="0"/>
+          <a:chExt cx="0" cy="0"/>
+        </a:xfrm>
+      </p:grpSpPr>
+      <p:sp>
+        <p:nvSpPr>
+          <p:cNvPr id="4" name="Rectangle 3">
+            <a:extLst>
+              <a:ext uri="{FF2B5EF4-FFF2-40B4-BE49-F238E27FC236}">
+                <a16:creationId xmlns:a16="http://schemas.microsoft.com/office/drawing/2014/main" id="{17E439DA-79EB-475E-B9E3-7ABF369AC8D8}"/>
+              </a:ext>
+            </a:extLst>
+          </p:cNvPr>
+          <p:cNvSpPr/>
+          <p:nvPr/>
+        </p:nvSpPr>
+        <p:spPr>
+          <a:xfrm>
+            <a:off x="0" y="0"/>
+            <a:ext cx="12192000" cy="629265"/>
+          </a:xfrm>
+          <a:prstGeom prst="rect">
+            <a:avLst/>
+          </a:prstGeom>
+          <a:solidFill>
+            <a:schemeClr val="bg1"/>
+          </a:solidFill>
+          <a:ln>
+            <a:solidFill>
+              <a:schemeClr val="bg1"/>
+            </a:solidFill>
+          </a:ln>
+        </p:spPr>
+        <p:style>
+          <a:lnRef idx="2">
+            <a:schemeClr val="accent1">
+              <a:shade val="50000"/>
+            </a:schemeClr>
+          </a:lnRef>
+          <a:fillRef idx="1">
+            <a:schemeClr val="accent1"/>
+          </a:fillRef>
+          <a:effectRef idx="0">
+            <a:schemeClr val="accent1"/>
+          </a:effectRef>
+          <a:fontRef idx="minor">
+            <a:schemeClr val="lt1"/>
+          </a:fontRef>
+        </p:style>
+        <p:txBody>
+          <a:bodyPr rtlCol="0" anchor="ctr"/>
+          <a:lstStyle/>
+          <a:p>
+            <a:pPr algn="ctr"/>
+            <a:endParaRPr lang="en-IN"/>
+          </a:p>
+        </p:txBody>
+      </p:sp>
+      <p:sp>
+        <p:nvSpPr>
+          <p:cNvPr id="5" name="Rectangle 4">
+            <a:extLst>
+              <a:ext uri="{FF2B5EF4-FFF2-40B4-BE49-F238E27FC236}">
+                <a16:creationId xmlns:a16="http://schemas.microsoft.com/office/drawing/2014/main" id="{93B966A7-45D6-489E-8436-E9D5EA85E05D}"/>
+              </a:ext>
+            </a:extLst>
+          </p:cNvPr>
+          <p:cNvSpPr/>
+          <p:nvPr/>
+        </p:nvSpPr>
+        <p:spPr>
+          <a:xfrm>
+            <a:off x="0" y="629265"/>
+            <a:ext cx="12192000" cy="6228734"/>
+          </a:xfrm>
+          <a:prstGeom prst="rect">
+            <a:avLst/>
+          </a:prstGeom>
+          <a:solidFill>
+            <a:schemeClr val="bg1">
+              <a:lumMod val="95000"/>
+            </a:schemeClr>
+          </a:solidFill>
+          <a:ln>
+            <a:solidFill>
+              <a:schemeClr val="bg1">
+                <a:lumMod val="95000"/>
+              </a:schemeClr>
+            </a:solidFill>
+          </a:ln>
+        </p:spPr>
+        <p:style>
+          <a:lnRef idx="2">
+            <a:schemeClr val="accent1">
+              <a:shade val="50000"/>
+            </a:schemeClr>
+          </a:lnRef>
+          <a:fillRef idx="1">
+            <a:schemeClr val="accent1"/>
+          </a:fillRef>
+          <a:effectRef idx="0">
+            <a:schemeClr val="accent1"/>
+          </a:effectRef>
+          <a:fontRef idx="minor">
+            <a:schemeClr val="lt1"/>
+          </a:fontRef>
+        </p:style>
+        <p:txBody>
+          <a:bodyPr rtlCol="0" anchor="ctr"/>
+          <a:lstStyle/>
+          <a:p>
+            <a:pPr algn="ctr"/>
+            <a:endParaRPr lang="en-IN"/>
+          </a:p>
+        </p:txBody>
+      </p:sp>
+    </p:spTree>
+    <p:extLst>
+      <p:ext uri="{BB962C8B-B14F-4D97-AF65-F5344CB8AC3E}">
+        <p14:creationId xmlns:p14="http://schemas.microsoft.com/office/powerpoint/2010/main" val="3284067250"/>
+      </p:ext>
+    </p:extLst>
+  </p:cSld>
+  <p:clrMapOvr>
+    <a:masterClrMapping/>
+  </p:clrMapOvr>
+</p:sld>
+</file>
+
 <file path=ppt/slides/slide2.xml><?xml version="1.0" encoding="utf-8"?>
 <p:sld xmlns:a="http://schemas.openxmlformats.org/drawingml/2006/main" xmlns:r="http://schemas.openxmlformats.org/officeDocument/2006/relationships" xmlns:p="http://schemas.openxmlformats.org/presentationml/2006/main">
   <p:cSld>
@@ -4248,11 +4604,18 @@
               <a:buNone/>
             </a:pPr>
             <a:r>
+              <a:rPr lang="en-US" b="1" dirty="0">
+                <a:latin typeface="Times New Roman" panose="02020603050405020304" pitchFamily="18" charset="0"/>
+                <a:cs typeface="Times New Roman" panose="02020603050405020304" pitchFamily="18" charset="0"/>
+              </a:rPr>
+              <a:t>Event ID</a:t>
+            </a:r>
+            <a:r>
               <a:rPr lang="en-US" dirty="0">
                 <a:latin typeface="Times New Roman" panose="02020603050405020304" pitchFamily="18" charset="0"/>
                 <a:cs typeface="Times New Roman" panose="02020603050405020304" pitchFamily="18" charset="0"/>
               </a:rPr>
-              <a:t>Event ID: Unique identifier for each terrorist attack event.</a:t>
+              <a:t>: Unique identifier for each terrorist attack event.</a:t>
             </a:r>
           </a:p>
           <a:p>
@@ -4260,11 +4623,18 @@
               <a:buNone/>
             </a:pPr>
             <a:r>
+              <a:rPr lang="en-US" b="1" dirty="0">
+                <a:latin typeface="Times New Roman" panose="02020603050405020304" pitchFamily="18" charset="0"/>
+                <a:cs typeface="Times New Roman" panose="02020603050405020304" pitchFamily="18" charset="0"/>
+              </a:rPr>
+              <a:t>Year</a:t>
+            </a:r>
+            <a:r>
               <a:rPr lang="en-US" dirty="0">
                 <a:latin typeface="Times New Roman" panose="02020603050405020304" pitchFamily="18" charset="0"/>
                 <a:cs typeface="Times New Roman" panose="02020603050405020304" pitchFamily="18" charset="0"/>
               </a:rPr>
-              <a:t>Year: Year in which the terrorist attack occurred.</a:t>
+              <a:t>: Year in which the terrorist attack occurred.</a:t>
             </a:r>
           </a:p>
           <a:p>
@@ -4272,11 +4642,18 @@
               <a:buNone/>
             </a:pPr>
             <a:r>
+              <a:rPr lang="en-US" b="1" dirty="0">
+                <a:latin typeface="Times New Roman" panose="02020603050405020304" pitchFamily="18" charset="0"/>
+                <a:cs typeface="Times New Roman" panose="02020603050405020304" pitchFamily="18" charset="0"/>
+              </a:rPr>
+              <a:t>Month</a:t>
+            </a:r>
+            <a:r>
               <a:rPr lang="en-US" dirty="0">
                 <a:latin typeface="Times New Roman" panose="02020603050405020304" pitchFamily="18" charset="0"/>
                 <a:cs typeface="Times New Roman" panose="02020603050405020304" pitchFamily="18" charset="0"/>
               </a:rPr>
-              <a:t>Month: Month in which the terrorist attack occurred.</a:t>
+              <a:t>: Month in which the terrorist attack occurred.</a:t>
             </a:r>
           </a:p>
           <a:p>
@@ -4284,11 +4661,18 @@
               <a:buNone/>
             </a:pPr>
             <a:r>
+              <a:rPr lang="en-US" b="1" dirty="0">
+                <a:latin typeface="Times New Roman" panose="02020603050405020304" pitchFamily="18" charset="0"/>
+                <a:cs typeface="Times New Roman" panose="02020603050405020304" pitchFamily="18" charset="0"/>
+              </a:rPr>
+              <a:t>Day</a:t>
+            </a:r>
+            <a:r>
               <a:rPr lang="en-US" dirty="0">
                 <a:latin typeface="Times New Roman" panose="02020603050405020304" pitchFamily="18" charset="0"/>
                 <a:cs typeface="Times New Roman" panose="02020603050405020304" pitchFamily="18" charset="0"/>
               </a:rPr>
-              <a:t>Day: Day on which the terrorist attack occurred.</a:t>
+              <a:t>: Day on which the terrorist attack occurred.</a:t>
             </a:r>
           </a:p>
           <a:p>
@@ -4296,11 +4680,18 @@
               <a:buNone/>
             </a:pPr>
             <a:r>
+              <a:rPr lang="en-US" b="1" dirty="0">
+                <a:latin typeface="Times New Roman" panose="02020603050405020304" pitchFamily="18" charset="0"/>
+                <a:cs typeface="Times New Roman" panose="02020603050405020304" pitchFamily="18" charset="0"/>
+              </a:rPr>
+              <a:t>Country</a:t>
+            </a:r>
+            <a:r>
               <a:rPr lang="en-US" dirty="0">
                 <a:latin typeface="Times New Roman" panose="02020603050405020304" pitchFamily="18" charset="0"/>
                 <a:cs typeface="Times New Roman" panose="02020603050405020304" pitchFamily="18" charset="0"/>
               </a:rPr>
-              <a:t>Country: Name of the country in which the terrorist attack occurred.</a:t>
+              <a:t>: Name of the country in which the terrorist attack occurred.</a:t>
             </a:r>
           </a:p>
           <a:p>
@@ -4308,11 +4699,18 @@
               <a:buNone/>
             </a:pPr>
             <a:r>
+              <a:rPr lang="en-US" b="1" dirty="0">
+                <a:latin typeface="Times New Roman" panose="02020603050405020304" pitchFamily="18" charset="0"/>
+                <a:cs typeface="Times New Roman" panose="02020603050405020304" pitchFamily="18" charset="0"/>
+              </a:rPr>
+              <a:t>Region</a:t>
+            </a:r>
+            <a:r>
               <a:rPr lang="en-US" dirty="0">
                 <a:latin typeface="Times New Roman" panose="02020603050405020304" pitchFamily="18" charset="0"/>
                 <a:cs typeface="Times New Roman" panose="02020603050405020304" pitchFamily="18" charset="0"/>
               </a:rPr>
-              <a:t>Region: Name of the region in which the terrorist attack occurred.</a:t>
+              <a:t>: Name of the region in which the terrorist attack occurred.</a:t>
             </a:r>
           </a:p>
           <a:p>
@@ -4320,11 +4718,18 @@
               <a:buNone/>
             </a:pPr>
             <a:r>
+              <a:rPr lang="en-US" b="1" dirty="0">
+                <a:latin typeface="Times New Roman" panose="02020603050405020304" pitchFamily="18" charset="0"/>
+                <a:cs typeface="Times New Roman" panose="02020603050405020304" pitchFamily="18" charset="0"/>
+              </a:rPr>
+              <a:t>City</a:t>
+            </a:r>
+            <a:r>
               <a:rPr lang="en-US" dirty="0">
                 <a:latin typeface="Times New Roman" panose="02020603050405020304" pitchFamily="18" charset="0"/>
                 <a:cs typeface="Times New Roman" panose="02020603050405020304" pitchFamily="18" charset="0"/>
               </a:rPr>
-              <a:t>City: Name of the city in which the terrorist attack occurred.</a:t>
+              <a:t>: Name of the city in which the terrorist attack occurred.</a:t>
             </a:r>
           </a:p>
           <a:p>
@@ -4332,11 +4737,18 @@
               <a:buNone/>
             </a:pPr>
             <a:r>
+              <a:rPr lang="en-US" b="1" dirty="0">
+                <a:latin typeface="Times New Roman" panose="02020603050405020304" pitchFamily="18" charset="0"/>
+                <a:cs typeface="Times New Roman" panose="02020603050405020304" pitchFamily="18" charset="0"/>
+              </a:rPr>
+              <a:t>Latitude</a:t>
+            </a:r>
+            <a:r>
               <a:rPr lang="en-US" dirty="0">
                 <a:latin typeface="Times New Roman" panose="02020603050405020304" pitchFamily="18" charset="0"/>
                 <a:cs typeface="Times New Roman" panose="02020603050405020304" pitchFamily="18" charset="0"/>
               </a:rPr>
-              <a:t>Latitude: Latitude of the city in which the terrorist attack occurred.</a:t>
+              <a:t>: Latitude of the city in which the terrorist attack occurred.</a:t>
             </a:r>
           </a:p>
           <a:p>
@@ -4344,11 +4756,18 @@
               <a:buNone/>
             </a:pPr>
             <a:r>
+              <a:rPr lang="en-US" b="1" dirty="0">
+                <a:latin typeface="Times New Roman" panose="02020603050405020304" pitchFamily="18" charset="0"/>
+                <a:cs typeface="Times New Roman" panose="02020603050405020304" pitchFamily="18" charset="0"/>
+              </a:rPr>
+              <a:t>Longitude</a:t>
+            </a:r>
+            <a:r>
               <a:rPr lang="en-US" dirty="0">
                 <a:latin typeface="Times New Roman" panose="02020603050405020304" pitchFamily="18" charset="0"/>
                 <a:cs typeface="Times New Roman" panose="02020603050405020304" pitchFamily="18" charset="0"/>
               </a:rPr>
-              <a:t>Longitude: Longitude of the city in which the terrorist attack occurred.</a:t>
+              <a:t>: Longitude of the city in which the terrorist attack occurred.</a:t>
             </a:r>
           </a:p>
           <a:p>
@@ -4356,11 +4775,18 @@
               <a:buNone/>
             </a:pPr>
             <a:r>
+              <a:rPr lang="en-US" b="1" dirty="0">
+                <a:latin typeface="Times New Roman" panose="02020603050405020304" pitchFamily="18" charset="0"/>
+                <a:cs typeface="Times New Roman" panose="02020603050405020304" pitchFamily="18" charset="0"/>
+              </a:rPr>
+              <a:t>Attack Type</a:t>
+            </a:r>
+            <a:r>
               <a:rPr lang="en-US" dirty="0">
                 <a:latin typeface="Times New Roman" panose="02020603050405020304" pitchFamily="18" charset="0"/>
                 <a:cs typeface="Times New Roman" panose="02020603050405020304" pitchFamily="18" charset="0"/>
               </a:rPr>
-              <a:t>Attack Type: Type of attack used by the terrorists (e.g. bombing, armed assault, assassination, hijacking).</a:t>
+              <a:t>: Type of attack used by the terrorists (e.g. bombing, armed assault, assassination, hijacking).</a:t>
             </a:r>
           </a:p>
           <a:p>
@@ -4368,11 +4794,18 @@
               <a:buNone/>
             </a:pPr>
             <a:r>
+              <a:rPr lang="en-US" b="1" dirty="0">
+                <a:latin typeface="Times New Roman" panose="02020603050405020304" pitchFamily="18" charset="0"/>
+                <a:cs typeface="Times New Roman" panose="02020603050405020304" pitchFamily="18" charset="0"/>
+              </a:rPr>
+              <a:t>Target Type</a:t>
+            </a:r>
+            <a:r>
               <a:rPr lang="en-US" dirty="0">
                 <a:latin typeface="Times New Roman" panose="02020603050405020304" pitchFamily="18" charset="0"/>
                 <a:cs typeface="Times New Roman" panose="02020603050405020304" pitchFamily="18" charset="0"/>
               </a:rPr>
-              <a:t>Target Type: Type of target that was attacked (e.g. business, government, military, police, private citizens).</a:t>
+              <a:t>: Type of target that was attacked (e.g. business, government, military, police, private citizens).</a:t>
             </a:r>
           </a:p>
           <a:p>
@@ -4380,11 +4813,18 @@
               <a:buNone/>
             </a:pPr>
             <a:r>
+              <a:rPr lang="en-US" b="1" dirty="0">
+                <a:latin typeface="Times New Roman" panose="02020603050405020304" pitchFamily="18" charset="0"/>
+                <a:cs typeface="Times New Roman" panose="02020603050405020304" pitchFamily="18" charset="0"/>
+              </a:rPr>
+              <a:t>Gang Name</a:t>
+            </a:r>
+            <a:r>
               <a:rPr lang="en-US" dirty="0">
                 <a:latin typeface="Times New Roman" panose="02020603050405020304" pitchFamily="18" charset="0"/>
                 <a:cs typeface="Times New Roman" panose="02020603050405020304" pitchFamily="18" charset="0"/>
               </a:rPr>
-              <a:t>Gang Name: Name of the terrorist group that carried out the attack.</a:t>
+              <a:t>: Name of the terrorist group that carried out the attack.</a:t>
             </a:r>
           </a:p>
           <a:p>
@@ -4392,11 +4832,18 @@
               <a:buNone/>
             </a:pPr>
             <a:r>
+              <a:rPr lang="en-US" b="1" dirty="0">
+                <a:latin typeface="Times New Roman" panose="02020603050405020304" pitchFamily="18" charset="0"/>
+                <a:cs typeface="Times New Roman" panose="02020603050405020304" pitchFamily="18" charset="0"/>
+              </a:rPr>
+              <a:t>Motive</a:t>
+            </a:r>
+            <a:r>
               <a:rPr lang="en-US" dirty="0">
                 <a:latin typeface="Times New Roman" panose="02020603050405020304" pitchFamily="18" charset="0"/>
                 <a:cs typeface="Times New Roman" panose="02020603050405020304" pitchFamily="18" charset="0"/>
               </a:rPr>
-              <a:t>Motive: Reason or motive behind the terrorist attack.</a:t>
+              <a:t>: Reason or motive behind the terrorist attack.</a:t>
             </a:r>
           </a:p>
         </p:txBody>
@@ -4510,11 +4957,18 @@
               <a:buNone/>
             </a:pPr>
             <a:r>
+              <a:rPr lang="en-US" sz="1600" b="1" dirty="0">
+                <a:latin typeface="Times New Roman" panose="02020603050405020304" pitchFamily="18" charset="0"/>
+                <a:cs typeface="Times New Roman" panose="02020603050405020304" pitchFamily="18" charset="0"/>
+              </a:rPr>
+              <a:t>Weapon type: </a:t>
+            </a:r>
+            <a:r>
               <a:rPr lang="en-US" sz="1600" dirty="0">
                 <a:latin typeface="Times New Roman" panose="02020603050405020304" pitchFamily="18" charset="0"/>
                 <a:cs typeface="Times New Roman" panose="02020603050405020304" pitchFamily="18" charset="0"/>
               </a:rPr>
-              <a:t>Weapon type: Type of weapon(s) used in the attack.</a:t>
+              <a:t>Type of weapon(s) used in the attack.</a:t>
             </a:r>
           </a:p>
           <a:p>
@@ -4522,11 +4976,18 @@
               <a:buNone/>
             </a:pPr>
             <a:r>
+              <a:rPr lang="en-US" sz="1600" b="1" dirty="0">
+                <a:latin typeface="Times New Roman" panose="02020603050405020304" pitchFamily="18" charset="0"/>
+                <a:cs typeface="Times New Roman" panose="02020603050405020304" pitchFamily="18" charset="0"/>
+              </a:rPr>
+              <a:t>Weapon Sub-type</a:t>
+            </a:r>
+            <a:r>
               <a:rPr lang="en-US" sz="1600" dirty="0">
                 <a:latin typeface="Times New Roman" panose="02020603050405020304" pitchFamily="18" charset="0"/>
                 <a:cs typeface="Times New Roman" panose="02020603050405020304" pitchFamily="18" charset="0"/>
               </a:rPr>
-              <a:t>Weapon Sub-type: Subtype of weapon(s) used in the attack.</a:t>
+              <a:t>: Subtype of weapon(s) used in the attack.</a:t>
             </a:r>
           </a:p>
           <a:p>
@@ -4534,11 +4995,18 @@
               <a:buNone/>
             </a:pPr>
             <a:r>
+              <a:rPr lang="en-US" sz="1600" b="1" dirty="0">
+                <a:latin typeface="Times New Roman" panose="02020603050405020304" pitchFamily="18" charset="0"/>
+                <a:cs typeface="Times New Roman" panose="02020603050405020304" pitchFamily="18" charset="0"/>
+              </a:rPr>
+              <a:t>Weapon Details</a:t>
+            </a:r>
+            <a:r>
               <a:rPr lang="en-US" sz="1600" dirty="0">
                 <a:latin typeface="Times New Roman" panose="02020603050405020304" pitchFamily="18" charset="0"/>
                 <a:cs typeface="Times New Roman" panose="02020603050405020304" pitchFamily="18" charset="0"/>
               </a:rPr>
-              <a:t>Weapon Details: Additional details about the weapons used in the attack.</a:t>
+              <a:t>: Additional details about the weapons used in the attack.</a:t>
             </a:r>
           </a:p>
           <a:p>
@@ -4546,25 +5014,89 @@
               <a:buNone/>
             </a:pPr>
             <a:r>
+              <a:rPr lang="en-US" sz="1600" b="1" dirty="0">
+                <a:latin typeface="Times New Roman" panose="02020603050405020304" pitchFamily="18" charset="0"/>
+                <a:cs typeface="Times New Roman" panose="02020603050405020304" pitchFamily="18" charset="0"/>
+              </a:rPr>
+              <a:t>Number of people killed :</a:t>
+            </a:r>
+            <a:r>
               <a:rPr lang="en-US" sz="1600" dirty="0">
                 <a:latin typeface="Times New Roman" panose="02020603050405020304" pitchFamily="18" charset="0"/>
                 <a:cs typeface="Times New Roman" panose="02020603050405020304" pitchFamily="18" charset="0"/>
               </a:rPr>
-              <a:t>Number of people killed (</a:t>
+              <a:t>This column represents the total number of people killed in the terrorist attack. It includes all individuals, including civilians, military personnel, and terrorists themselves.</a:t>
+            </a:r>
+          </a:p>
+          <a:p>
+            <a:pPr marL="0" indent="0">
+              <a:buNone/>
+            </a:pPr>
+            <a:r>
+              <a:rPr lang="en-US" sz="1600" b="1" dirty="0">
+                <a:latin typeface="Times New Roman" panose="02020603050405020304" pitchFamily="18" charset="0"/>
+                <a:cs typeface="Times New Roman" panose="02020603050405020304" pitchFamily="18" charset="0"/>
+              </a:rPr>
+              <a:t>Terrorist killed </a:t>
+            </a:r>
+            <a:r>
+              <a:rPr lang="en-US" sz="1600" dirty="0">
+                <a:latin typeface="Times New Roman" panose="02020603050405020304" pitchFamily="18" charset="0"/>
+                <a:cs typeface="Times New Roman" panose="02020603050405020304" pitchFamily="18" charset="0"/>
+              </a:rPr>
+              <a:t>: This column represents the number of terrorists killed in the terrorist attack.</a:t>
+            </a:r>
+          </a:p>
+          <a:p>
+            <a:pPr marL="0" indent="0">
+              <a:buNone/>
+            </a:pPr>
+            <a:r>
+              <a:rPr lang="en-US" sz="1600" b="1" dirty="0">
+                <a:latin typeface="Times New Roman" panose="02020603050405020304" pitchFamily="18" charset="0"/>
+                <a:cs typeface="Times New Roman" panose="02020603050405020304" pitchFamily="18" charset="0"/>
+              </a:rPr>
+              <a:t>Number of people wounded </a:t>
+            </a:r>
+            <a:r>
+              <a:rPr lang="en-US" sz="1600" dirty="0">
+                <a:latin typeface="Times New Roman" panose="02020603050405020304" pitchFamily="18" charset="0"/>
+                <a:cs typeface="Times New Roman" panose="02020603050405020304" pitchFamily="18" charset="0"/>
+              </a:rPr>
+              <a:t>: This column represents the total number of people wounded in the terrorist attack.</a:t>
+            </a:r>
+          </a:p>
+          <a:p>
+            <a:pPr marL="0" indent="0">
+              <a:buNone/>
+            </a:pPr>
+            <a:r>
+              <a:rPr lang="en-US" sz="1600" b="1" dirty="0">
+                <a:latin typeface="Times New Roman" panose="02020603050405020304" pitchFamily="18" charset="0"/>
+                <a:cs typeface="Times New Roman" panose="02020603050405020304" pitchFamily="18" charset="0"/>
+              </a:rPr>
+              <a:t>Loss of property </a:t>
+            </a:r>
+            <a:r>
+              <a:rPr lang="en-US" sz="1600" dirty="0">
+                <a:latin typeface="Times New Roman" panose="02020603050405020304" pitchFamily="18" charset="0"/>
+                <a:cs typeface="Times New Roman" panose="02020603050405020304" pitchFamily="18" charset="0"/>
+              </a:rPr>
+              <a:t>: This column represents the extent of property damage caused by the terrorist attack. It can take numerical value for </a:t>
             </a:r>
             <a:r>
               <a:rPr lang="en-US" sz="1600" dirty="0" err="1">
                 <a:latin typeface="Times New Roman" panose="02020603050405020304" pitchFamily="18" charset="0"/>
                 <a:cs typeface="Times New Roman" panose="02020603050405020304" pitchFamily="18" charset="0"/>
               </a:rPr>
-              <a:t>nkill</a:t>
+              <a:t>eg</a:t>
             </a:r>
             <a:r>
               <a:rPr lang="en-US" sz="1600" dirty="0">
                 <a:latin typeface="Times New Roman" panose="02020603050405020304" pitchFamily="18" charset="0"/>
                 <a:cs typeface="Times New Roman" panose="02020603050405020304" pitchFamily="18" charset="0"/>
               </a:rPr>
-              <a:t>): This column represents the total number of people killed in the terrorist attack. It includes all individuals, including civilians, military personnel, and terrorists themselves.</a:t>
+              <a:t> :-(200000$)</a:t>
             </a:r>
           </a:p>
           <a:p>
@@ -4572,25 +5104,37 @@
               <a:buNone/>
             </a:pPr>
             <a:r>
+              <a:rPr lang="en-US" sz="1600" b="1" dirty="0">
+                <a:latin typeface="Times New Roman" panose="02020603050405020304" pitchFamily="18" charset="0"/>
+                <a:cs typeface="Times New Roman" panose="02020603050405020304" pitchFamily="18" charset="0"/>
+              </a:rPr>
+              <a:t>Kids as host </a:t>
+            </a:r>
+            <a:r>
               <a:rPr lang="en-US" sz="1600" dirty="0">
                 <a:latin typeface="Times New Roman" panose="02020603050405020304" pitchFamily="18" charset="0"/>
                 <a:cs typeface="Times New Roman" panose="02020603050405020304" pitchFamily="18" charset="0"/>
               </a:rPr>
-              <a:t>Terrorist killed (</a:t>
-            </a:r>
-            <a:r>
-              <a:rPr lang="en-US" sz="1600" dirty="0" err="1">
-                <a:latin typeface="Times New Roman" panose="02020603050405020304" pitchFamily="18" charset="0"/>
-                <a:cs typeface="Times New Roman" panose="02020603050405020304" pitchFamily="18" charset="0"/>
-              </a:rPr>
-              <a:t>nkillter</a:t>
+              <a:t>: This column represents whether any hostages were children. It takes a value of 1 if children were taken as hostages, otherwise 0.</a:t>
+            </a:r>
+          </a:p>
+          <a:p>
+            <a:pPr marL="0" indent="0">
+              <a:buNone/>
+            </a:pPr>
+            <a:r>
+              <a:rPr lang="en-US" sz="1600" b="1" dirty="0">
+                <a:latin typeface="Times New Roman" panose="02020603050405020304" pitchFamily="18" charset="0"/>
+                <a:cs typeface="Times New Roman" panose="02020603050405020304" pitchFamily="18" charset="0"/>
+              </a:rPr>
+              <a:t>Count of kids </a:t>
             </a:r>
             <a:r>
               <a:rPr lang="en-US" sz="1600" dirty="0">
                 <a:latin typeface="Times New Roman" panose="02020603050405020304" pitchFamily="18" charset="0"/>
                 <a:cs typeface="Times New Roman" panose="02020603050405020304" pitchFamily="18" charset="0"/>
               </a:rPr>
-              <a:t>): This column represents the number of terrorists killed in the terrorist attack.</a:t>
+              <a:t>: This column represents the total number of children who were taken as hostages in the terrorist attack.</a:t>
             </a:r>
           </a:p>
           <a:p>
@@ -4598,129 +5142,18 @@
               <a:buNone/>
             </a:pPr>
             <a:r>
+              <a:rPr lang="en-US" sz="1600" b="1" dirty="0">
+                <a:latin typeface="Times New Roman" panose="02020603050405020304" pitchFamily="18" charset="0"/>
+                <a:cs typeface="Times New Roman" panose="02020603050405020304" pitchFamily="18" charset="0"/>
+              </a:rPr>
+              <a:t>Ransom</a:t>
+            </a:r>
+            <a:r>
               <a:rPr lang="en-US" sz="1600" dirty="0">
                 <a:latin typeface="Times New Roman" panose="02020603050405020304" pitchFamily="18" charset="0"/>
                 <a:cs typeface="Times New Roman" panose="02020603050405020304" pitchFamily="18" charset="0"/>
               </a:rPr>
-              <a:t>Number of people wounded (</a:t>
-            </a:r>
-            <a:r>
-              <a:rPr lang="en-US" sz="1600" dirty="0" err="1">
-                <a:latin typeface="Times New Roman" panose="02020603050405020304" pitchFamily="18" charset="0"/>
-                <a:cs typeface="Times New Roman" panose="02020603050405020304" pitchFamily="18" charset="0"/>
-              </a:rPr>
-              <a:t>nwound</a:t>
-            </a:r>
-            <a:r>
-              <a:rPr lang="en-US" sz="1600" dirty="0">
-                <a:latin typeface="Times New Roman" panose="02020603050405020304" pitchFamily="18" charset="0"/>
-                <a:cs typeface="Times New Roman" panose="02020603050405020304" pitchFamily="18" charset="0"/>
-              </a:rPr>
-              <a:t>): This column represents the total number of people wounded in the terrorist attack.</a:t>
-            </a:r>
-          </a:p>
-          <a:p>
-            <a:pPr marL="0" indent="0">
-              <a:buNone/>
-            </a:pPr>
-            <a:r>
-              <a:rPr lang="en-US" sz="1600" dirty="0">
-                <a:latin typeface="Times New Roman" panose="02020603050405020304" pitchFamily="18" charset="0"/>
-                <a:cs typeface="Times New Roman" panose="02020603050405020304" pitchFamily="18" charset="0"/>
-              </a:rPr>
-              <a:t>Loss of property (property): This column represents the extent of property damage caused by the terrorist attack. It can take numerical value for </a:t>
-            </a:r>
-            <a:r>
-              <a:rPr lang="en-US" sz="1600" dirty="0" err="1">
-                <a:latin typeface="Times New Roman" panose="02020603050405020304" pitchFamily="18" charset="0"/>
-                <a:cs typeface="Times New Roman" panose="02020603050405020304" pitchFamily="18" charset="0"/>
-              </a:rPr>
-              <a:t>eg</a:t>
-            </a:r>
-            <a:r>
-              <a:rPr lang="en-US" sz="1600" dirty="0">
-                <a:latin typeface="Times New Roman" panose="02020603050405020304" pitchFamily="18" charset="0"/>
-                <a:cs typeface="Times New Roman" panose="02020603050405020304" pitchFamily="18" charset="0"/>
-              </a:rPr>
-              <a:t> :-(200000$)</a:t>
-            </a:r>
-          </a:p>
-          <a:p>
-            <a:pPr marL="0" indent="0">
-              <a:buNone/>
-            </a:pPr>
-            <a:r>
-              <a:rPr lang="en-US" sz="1600" dirty="0">
-                <a:latin typeface="Times New Roman" panose="02020603050405020304" pitchFamily="18" charset="0"/>
-                <a:cs typeface="Times New Roman" panose="02020603050405020304" pitchFamily="18" charset="0"/>
-              </a:rPr>
-              <a:t>Kids as host (</a:t>
-            </a:r>
-            <a:r>
-              <a:rPr lang="en-US" sz="1600" dirty="0" err="1">
-                <a:latin typeface="Times New Roman" panose="02020603050405020304" pitchFamily="18" charset="0"/>
-                <a:cs typeface="Times New Roman" panose="02020603050405020304" pitchFamily="18" charset="0"/>
-              </a:rPr>
-              <a:t>ishostkid</a:t>
-            </a:r>
-            <a:r>
-              <a:rPr lang="en-US" sz="1600" dirty="0">
-                <a:latin typeface="Times New Roman" panose="02020603050405020304" pitchFamily="18" charset="0"/>
-                <a:cs typeface="Times New Roman" panose="02020603050405020304" pitchFamily="18" charset="0"/>
-              </a:rPr>
-              <a:t>): This column represents whether any hostages were children. It takes a value of 1 if children were taken as hostages, otherwise 0.</a:t>
-            </a:r>
-          </a:p>
-          <a:p>
-            <a:pPr marL="0" indent="0">
-              <a:buNone/>
-            </a:pPr>
-            <a:r>
-              <a:rPr lang="en-US" sz="1600" dirty="0">
-                <a:latin typeface="Times New Roman" panose="02020603050405020304" pitchFamily="18" charset="0"/>
-                <a:cs typeface="Times New Roman" panose="02020603050405020304" pitchFamily="18" charset="0"/>
-              </a:rPr>
-              <a:t>Count of kids (</a:t>
-            </a:r>
-            <a:r>
-              <a:rPr lang="en-US" sz="1600" dirty="0" err="1">
-                <a:latin typeface="Times New Roman" panose="02020603050405020304" pitchFamily="18" charset="0"/>
-                <a:cs typeface="Times New Roman" panose="02020603050405020304" pitchFamily="18" charset="0"/>
-              </a:rPr>
-              <a:t>nhostkid</a:t>
-            </a:r>
-            <a:r>
-              <a:rPr lang="en-US" sz="1600" dirty="0">
-                <a:latin typeface="Times New Roman" panose="02020603050405020304" pitchFamily="18" charset="0"/>
-                <a:cs typeface="Times New Roman" panose="02020603050405020304" pitchFamily="18" charset="0"/>
-              </a:rPr>
-              <a:t>): This column represents the total number of children who were taken as hostages in the terrorist attack.</a:t>
-            </a:r>
-          </a:p>
-          <a:p>
-            <a:pPr marL="0" indent="0">
-              <a:buNone/>
-            </a:pPr>
-            <a:r>
-              <a:rPr lang="en-US" sz="1600" dirty="0">
-                <a:latin typeface="Times New Roman" panose="02020603050405020304" pitchFamily="18" charset="0"/>
-                <a:cs typeface="Times New Roman" panose="02020603050405020304" pitchFamily="18" charset="0"/>
-              </a:rPr>
-              <a:t>Ransom (</a:t>
-            </a:r>
-            <a:r>
-              <a:rPr lang="en-US" sz="1600" dirty="0" err="1">
-                <a:latin typeface="Times New Roman" panose="02020603050405020304" pitchFamily="18" charset="0"/>
-                <a:cs typeface="Times New Roman" panose="02020603050405020304" pitchFamily="18" charset="0"/>
-              </a:rPr>
-              <a:t>ransomamt</a:t>
-            </a:r>
-            <a:r>
-              <a:rPr lang="en-US" sz="1600" dirty="0">
-                <a:latin typeface="Times New Roman" panose="02020603050405020304" pitchFamily="18" charset="0"/>
-                <a:cs typeface="Times New Roman" panose="02020603050405020304" pitchFamily="18" charset="0"/>
-              </a:rPr>
-              <a:t>): This column represents the amount of ransom demanded by the terrorists in the attack. It is measured in US dollars.</a:t>
+              <a:t> : This column represents the amount of ransom demanded by the terrorists in the attack. It is measured in US dollars.</a:t>
             </a:r>
           </a:p>
         </p:txBody>
@@ -4785,7 +5218,7 @@
         </p:nvSpPr>
         <p:spPr>
           <a:xfrm>
-            <a:off x="1887006" y="679558"/>
+            <a:off x="1916503" y="2889357"/>
             <a:ext cx="7256994" cy="539643"/>
           </a:xfrm>
         </p:spPr>
@@ -4799,44 +5232,6 @@
               <a:rPr lang="en-IN" dirty="0"/>
               <a:t>Data Visualization</a:t>
             </a:r>
-          </a:p>
-        </p:txBody>
-      </p:sp>
-      <p:sp>
-        <p:nvSpPr>
-          <p:cNvPr id="3" name="Content Placeholder 2">
-            <a:extLst>
-              <a:ext uri="{FF2B5EF4-FFF2-40B4-BE49-F238E27FC236}">
-                <a16:creationId xmlns:a16="http://schemas.microsoft.com/office/drawing/2014/main" id="{2A2474F9-0CFA-4CA4-943B-3E6BF0DE507C}"/>
-              </a:ext>
-            </a:extLst>
-          </p:cNvPr>
-          <p:cNvSpPr>
-            <a:spLocks noGrp="1"/>
-          </p:cNvSpPr>
-          <p:nvPr>
-            <p:ph idx="1"/>
-          </p:nvPr>
-        </p:nvSpPr>
-        <p:spPr>
-          <a:xfrm>
-            <a:off x="958251" y="1661653"/>
-            <a:ext cx="9114504" cy="4129548"/>
-          </a:xfrm>
-        </p:spPr>
-        <p:txBody>
-          <a:bodyPr>
-            <a:normAutofit/>
-          </a:bodyPr>
-          <a:lstStyle/>
-          <a:p>
-            <a:pPr marL="0" indent="0">
-              <a:buNone/>
-            </a:pPr>
-            <a:endParaRPr lang="en-US" sz="2000" dirty="0">
-              <a:latin typeface="Times New Roman" panose="02020603050405020304" pitchFamily="18" charset="0"/>
-              <a:cs typeface="Times New Roman" panose="02020603050405020304" pitchFamily="18" charset="0"/>
-            </a:endParaRPr>
           </a:p>
         </p:txBody>
       </p:sp>
@@ -4900,7 +5295,7 @@
         </p:nvSpPr>
         <p:spPr>
           <a:xfrm>
-            <a:off x="1887006" y="679558"/>
+            <a:off x="1877174" y="463248"/>
             <a:ext cx="7256994" cy="539643"/>
           </a:xfrm>
         </p:spPr>
@@ -4935,8 +5330,8 @@
         </p:nvSpPr>
         <p:spPr>
           <a:xfrm>
-            <a:off x="958251" y="1661653"/>
-            <a:ext cx="9114504" cy="4129548"/>
+            <a:off x="914400" y="1406013"/>
+            <a:ext cx="7728156" cy="539643"/>
           </a:xfrm>
         </p:spPr>
         <p:txBody>
@@ -4948,7 +5343,1003 @@
             <a:pPr marL="0" indent="0">
               <a:buNone/>
             </a:pPr>
-            <a:endParaRPr lang="en-US" sz="2000" dirty="0">
+            <a:r>
+              <a:rPr lang="en-US" sz="2000" b="1" dirty="0">
+                <a:latin typeface="Times New Roman" panose="02020603050405020304" pitchFamily="18" charset="0"/>
+                <a:cs typeface="Times New Roman" panose="02020603050405020304" pitchFamily="18" charset="0"/>
+              </a:rPr>
+              <a:t>THE MAIN HOT ZONES OF TERRORISM ARE</a:t>
+            </a:r>
+          </a:p>
+          <a:p>
+            <a:endParaRPr lang="en-US" sz="2000" b="1" dirty="0">
+              <a:latin typeface="Times New Roman" panose="02020603050405020304" pitchFamily="18" charset="0"/>
+              <a:cs typeface="Times New Roman" panose="02020603050405020304" pitchFamily="18" charset="0"/>
+            </a:endParaRPr>
+          </a:p>
+        </p:txBody>
+      </p:sp>
+      <p:sp>
+        <p:nvSpPr>
+          <p:cNvPr id="4" name="Content Placeholder 2">
+            <a:extLst>
+              <a:ext uri="{FF2B5EF4-FFF2-40B4-BE49-F238E27FC236}">
+                <a16:creationId xmlns:a16="http://schemas.microsoft.com/office/drawing/2014/main" id="{0529243A-70AE-48C5-AF35-2B1716EA3CD9}"/>
+              </a:ext>
+            </a:extLst>
+          </p:cNvPr>
+          <p:cNvSpPr txBox="1">
+            <a:spLocks/>
+          </p:cNvSpPr>
+          <p:nvPr/>
+        </p:nvSpPr>
+        <p:spPr>
+          <a:xfrm>
+            <a:off x="427703" y="2196379"/>
+            <a:ext cx="3996814" cy="4661621"/>
+          </a:xfrm>
+          <a:prstGeom prst="rect">
+            <a:avLst/>
+          </a:prstGeom>
+        </p:spPr>
+        <p:txBody>
+          <a:bodyPr vert="horz" lIns="91440" tIns="45720" rIns="91440" bIns="45720" rtlCol="0">
+            <a:normAutofit/>
+          </a:bodyPr>
+          <a:lstStyle>
+            <a:lvl1pPr marL="228600" indent="-228600" algn="l" defTabSz="914400" rtl="0" eaLnBrk="1" latinLnBrk="0" hangingPunct="1">
+              <a:lnSpc>
+                <a:spcPct val="100000"/>
+              </a:lnSpc>
+              <a:spcBef>
+                <a:spcPts val="1000"/>
+              </a:spcBef>
+              <a:buClr>
+                <a:schemeClr val="accent2"/>
+              </a:buClr>
+              <a:buFont typeface="Arial" panose="020B0604020202020204" pitchFamily="34" charset="0"/>
+              <a:buChar char="•"/>
+              <a:defRPr sz="1800" kern="1200">
+                <a:solidFill>
+                  <a:schemeClr val="tx1">
+                    <a:lumMod val="85000"/>
+                    <a:lumOff val="15000"/>
+                  </a:schemeClr>
+                </a:solidFill>
+                <a:latin typeface="+mn-lt"/>
+                <a:ea typeface="+mn-ea"/>
+                <a:cs typeface="+mn-cs"/>
+              </a:defRPr>
+            </a:lvl1pPr>
+            <a:lvl2pPr marL="457200" indent="-228600" algn="l" defTabSz="914400" rtl="0" eaLnBrk="1" latinLnBrk="0" hangingPunct="1">
+              <a:lnSpc>
+                <a:spcPct val="100000"/>
+              </a:lnSpc>
+              <a:spcBef>
+                <a:spcPts val="1000"/>
+              </a:spcBef>
+              <a:buClr>
+                <a:schemeClr val="accent2"/>
+              </a:buClr>
+              <a:buFont typeface="Arial" panose="020B0604020202020204" pitchFamily="34" charset="0"/>
+              <a:buChar char="•"/>
+              <a:defRPr sz="1600" kern="1200">
+                <a:solidFill>
+                  <a:schemeClr val="tx1">
+                    <a:lumMod val="85000"/>
+                    <a:lumOff val="15000"/>
+                  </a:schemeClr>
+                </a:solidFill>
+                <a:latin typeface="+mn-lt"/>
+                <a:ea typeface="+mn-ea"/>
+                <a:cs typeface="+mn-cs"/>
+              </a:defRPr>
+            </a:lvl2pPr>
+            <a:lvl3pPr marL="685800" indent="-228600" algn="l" defTabSz="914400" rtl="0" eaLnBrk="1" latinLnBrk="0" hangingPunct="1">
+              <a:lnSpc>
+                <a:spcPct val="100000"/>
+              </a:lnSpc>
+              <a:spcBef>
+                <a:spcPts val="1000"/>
+              </a:spcBef>
+              <a:buClr>
+                <a:schemeClr val="accent2"/>
+              </a:buClr>
+              <a:buFont typeface="Arial" panose="020B0604020202020204" pitchFamily="34" charset="0"/>
+              <a:buChar char="•"/>
+              <a:defRPr sz="1600" kern="1200">
+                <a:solidFill>
+                  <a:schemeClr val="tx1">
+                    <a:lumMod val="85000"/>
+                    <a:lumOff val="15000"/>
+                  </a:schemeClr>
+                </a:solidFill>
+                <a:latin typeface="+mn-lt"/>
+                <a:ea typeface="+mn-ea"/>
+                <a:cs typeface="+mn-cs"/>
+              </a:defRPr>
+            </a:lvl3pPr>
+            <a:lvl4pPr marL="914400" indent="-228600" algn="l" defTabSz="914400" rtl="0" eaLnBrk="1" latinLnBrk="0" hangingPunct="1">
+              <a:lnSpc>
+                <a:spcPct val="100000"/>
+              </a:lnSpc>
+              <a:spcBef>
+                <a:spcPts val="1000"/>
+              </a:spcBef>
+              <a:buClr>
+                <a:schemeClr val="accent2"/>
+              </a:buClr>
+              <a:buFont typeface="Arial" panose="020B0604020202020204" pitchFamily="34" charset="0"/>
+              <a:buChar char="•"/>
+              <a:defRPr sz="1600" kern="1200">
+                <a:solidFill>
+                  <a:schemeClr val="tx1">
+                    <a:lumMod val="85000"/>
+                    <a:lumOff val="15000"/>
+                  </a:schemeClr>
+                </a:solidFill>
+                <a:latin typeface="+mn-lt"/>
+                <a:ea typeface="+mn-ea"/>
+                <a:cs typeface="+mn-cs"/>
+              </a:defRPr>
+            </a:lvl4pPr>
+            <a:lvl5pPr marL="1143000" indent="-228600" algn="l" defTabSz="914400" rtl="0" eaLnBrk="1" latinLnBrk="0" hangingPunct="1">
+              <a:lnSpc>
+                <a:spcPct val="100000"/>
+              </a:lnSpc>
+              <a:spcBef>
+                <a:spcPts val="1000"/>
+              </a:spcBef>
+              <a:buClr>
+                <a:schemeClr val="accent2"/>
+              </a:buClr>
+              <a:buFont typeface="Arial" panose="020B0604020202020204" pitchFamily="34" charset="0"/>
+              <a:buChar char="•"/>
+              <a:defRPr sz="1600" kern="1200">
+                <a:solidFill>
+                  <a:schemeClr val="tx1">
+                    <a:lumMod val="85000"/>
+                    <a:lumOff val="15000"/>
+                  </a:schemeClr>
+                </a:solidFill>
+                <a:latin typeface="+mn-lt"/>
+                <a:ea typeface="+mn-ea"/>
+                <a:cs typeface="+mn-cs"/>
+              </a:defRPr>
+            </a:lvl5pPr>
+            <a:lvl6pPr marL="1312863" indent="-228600" algn="l" defTabSz="914400" rtl="0" eaLnBrk="1" latinLnBrk="0" hangingPunct="1">
+              <a:lnSpc>
+                <a:spcPct val="100000"/>
+              </a:lnSpc>
+              <a:spcBef>
+                <a:spcPts val="1000"/>
+              </a:spcBef>
+              <a:buClr>
+                <a:schemeClr val="accent2"/>
+              </a:buClr>
+              <a:buFont typeface="Arial" panose="020B0604020202020204" pitchFamily="34" charset="0"/>
+              <a:buChar char="•"/>
+              <a:defRPr sz="1600" kern="1200">
+                <a:solidFill>
+                  <a:schemeClr val="tx1"/>
+                </a:solidFill>
+                <a:latin typeface="+mn-lt"/>
+                <a:ea typeface="+mn-ea"/>
+                <a:cs typeface="+mn-cs"/>
+              </a:defRPr>
+            </a:lvl6pPr>
+            <a:lvl7pPr marL="1484313" indent="-228600" algn="l" defTabSz="914400" rtl="0" eaLnBrk="1" latinLnBrk="0" hangingPunct="1">
+              <a:lnSpc>
+                <a:spcPct val="100000"/>
+              </a:lnSpc>
+              <a:spcBef>
+                <a:spcPts val="1000"/>
+              </a:spcBef>
+              <a:buClr>
+                <a:schemeClr val="accent2"/>
+              </a:buClr>
+              <a:buFont typeface="Arial" panose="020B0604020202020204" pitchFamily="34" charset="0"/>
+              <a:buChar char="•"/>
+              <a:defRPr sz="1600" kern="1200">
+                <a:solidFill>
+                  <a:schemeClr val="tx1"/>
+                </a:solidFill>
+                <a:latin typeface="+mn-lt"/>
+                <a:ea typeface="+mn-ea"/>
+                <a:cs typeface="+mn-cs"/>
+              </a:defRPr>
+            </a:lvl7pPr>
+            <a:lvl8pPr marL="1657350" indent="-228600" algn="l" defTabSz="914400" rtl="0" eaLnBrk="1" latinLnBrk="0" hangingPunct="1">
+              <a:lnSpc>
+                <a:spcPct val="100000"/>
+              </a:lnSpc>
+              <a:spcBef>
+                <a:spcPts val="1000"/>
+              </a:spcBef>
+              <a:buClr>
+                <a:schemeClr val="accent2"/>
+              </a:buClr>
+              <a:buFont typeface="Arial" panose="020B0604020202020204" pitchFamily="34" charset="0"/>
+              <a:buChar char="•"/>
+              <a:defRPr sz="1600" kern="1200" baseline="0">
+                <a:solidFill>
+                  <a:schemeClr val="tx1"/>
+                </a:solidFill>
+                <a:latin typeface="+mn-lt"/>
+                <a:ea typeface="+mn-ea"/>
+                <a:cs typeface="+mn-cs"/>
+              </a:defRPr>
+            </a:lvl8pPr>
+            <a:lvl9pPr marL="1882775" indent="-228600" algn="l" defTabSz="914400" rtl="0" eaLnBrk="1" latinLnBrk="0" hangingPunct="1">
+              <a:lnSpc>
+                <a:spcPct val="100000"/>
+              </a:lnSpc>
+              <a:spcBef>
+                <a:spcPts val="1000"/>
+              </a:spcBef>
+              <a:buClr>
+                <a:schemeClr val="accent2"/>
+              </a:buClr>
+              <a:buFont typeface="Arial" panose="020B0604020202020204" pitchFamily="34" charset="0"/>
+              <a:buChar char="•"/>
+              <a:defRPr sz="1600" kern="1200" baseline="0">
+                <a:solidFill>
+                  <a:schemeClr val="tx1"/>
+                </a:solidFill>
+                <a:latin typeface="+mn-lt"/>
+                <a:ea typeface="+mn-ea"/>
+                <a:cs typeface="+mn-cs"/>
+              </a:defRPr>
+            </a:lvl9pPr>
+          </a:lstStyle>
+          <a:p>
+            <a:pPr marL="0" indent="0">
+              <a:buFont typeface="Arial" panose="020B0604020202020204" pitchFamily="34" charset="0"/>
+              <a:buNone/>
+            </a:pPr>
+            <a:r>
+              <a:rPr lang="en-US" sz="2000" b="1" dirty="0">
+                <a:latin typeface="Times New Roman" panose="02020603050405020304" pitchFamily="18" charset="0"/>
+                <a:cs typeface="Times New Roman" panose="02020603050405020304" pitchFamily="18" charset="0"/>
+              </a:rPr>
+              <a:t>Top Regions</a:t>
+            </a:r>
+          </a:p>
+          <a:p>
+            <a:r>
+              <a:rPr lang="en-US" dirty="0">
+                <a:latin typeface="Times New Roman" panose="02020603050405020304" pitchFamily="18" charset="0"/>
+                <a:cs typeface="Times New Roman" panose="02020603050405020304" pitchFamily="18" charset="0"/>
+              </a:rPr>
+              <a:t>Middle East &amp; North Africa</a:t>
+            </a:r>
+          </a:p>
+          <a:p>
+            <a:r>
+              <a:rPr lang="en-US" dirty="0">
+                <a:latin typeface="Times New Roman" panose="02020603050405020304" pitchFamily="18" charset="0"/>
+                <a:cs typeface="Times New Roman" panose="02020603050405020304" pitchFamily="18" charset="0"/>
+              </a:rPr>
+              <a:t>South Asia</a:t>
+            </a:r>
+          </a:p>
+          <a:p>
+            <a:r>
+              <a:rPr lang="en-US" dirty="0">
+                <a:latin typeface="Times New Roman" panose="02020603050405020304" pitchFamily="18" charset="0"/>
+                <a:cs typeface="Times New Roman" panose="02020603050405020304" pitchFamily="18" charset="0"/>
+              </a:rPr>
+              <a:t>Sub-Saharan Africa</a:t>
+            </a:r>
+          </a:p>
+          <a:p>
+            <a:r>
+              <a:rPr lang="en-US" dirty="0">
+                <a:latin typeface="Times New Roman" panose="02020603050405020304" pitchFamily="18" charset="0"/>
+                <a:cs typeface="Times New Roman" panose="02020603050405020304" pitchFamily="18" charset="0"/>
+              </a:rPr>
+              <a:t>South America</a:t>
+            </a:r>
+          </a:p>
+          <a:p>
+            <a:r>
+              <a:rPr lang="en-US" dirty="0">
+                <a:latin typeface="Times New Roman" panose="02020603050405020304" pitchFamily="18" charset="0"/>
+                <a:cs typeface="Times New Roman" panose="02020603050405020304" pitchFamily="18" charset="0"/>
+              </a:rPr>
+              <a:t>Central America &amp; Caribbean </a:t>
+            </a:r>
+          </a:p>
+          <a:p>
+            <a:endParaRPr lang="en-US" dirty="0">
+              <a:latin typeface="Times New Roman" panose="02020603050405020304" pitchFamily="18" charset="0"/>
+              <a:cs typeface="Times New Roman" panose="02020603050405020304" pitchFamily="18" charset="0"/>
+            </a:endParaRPr>
+          </a:p>
+        </p:txBody>
+      </p:sp>
+      <p:sp>
+        <p:nvSpPr>
+          <p:cNvPr id="5" name="Content Placeholder 2">
+            <a:extLst>
+              <a:ext uri="{FF2B5EF4-FFF2-40B4-BE49-F238E27FC236}">
+                <a16:creationId xmlns:a16="http://schemas.microsoft.com/office/drawing/2014/main" id="{816BF845-6B86-456D-8F5B-B33497E344DE}"/>
+              </a:ext>
+            </a:extLst>
+          </p:cNvPr>
+          <p:cNvSpPr txBox="1">
+            <a:spLocks/>
+          </p:cNvSpPr>
+          <p:nvPr/>
+        </p:nvSpPr>
+        <p:spPr>
+          <a:xfrm>
+            <a:off x="3770671" y="2196377"/>
+            <a:ext cx="3996814" cy="4661621"/>
+          </a:xfrm>
+          <a:prstGeom prst="rect">
+            <a:avLst/>
+          </a:prstGeom>
+        </p:spPr>
+        <p:txBody>
+          <a:bodyPr vert="horz" lIns="91440" tIns="45720" rIns="91440" bIns="45720" rtlCol="0">
+            <a:normAutofit/>
+          </a:bodyPr>
+          <a:lstStyle>
+            <a:lvl1pPr marL="228600" indent="-228600" algn="l" defTabSz="914400" rtl="0" eaLnBrk="1" latinLnBrk="0" hangingPunct="1">
+              <a:lnSpc>
+                <a:spcPct val="100000"/>
+              </a:lnSpc>
+              <a:spcBef>
+                <a:spcPts val="1000"/>
+              </a:spcBef>
+              <a:buClr>
+                <a:schemeClr val="accent2"/>
+              </a:buClr>
+              <a:buFont typeface="Arial" panose="020B0604020202020204" pitchFamily="34" charset="0"/>
+              <a:buChar char="•"/>
+              <a:defRPr sz="1800" kern="1200">
+                <a:solidFill>
+                  <a:schemeClr val="tx1">
+                    <a:lumMod val="85000"/>
+                    <a:lumOff val="15000"/>
+                  </a:schemeClr>
+                </a:solidFill>
+                <a:latin typeface="+mn-lt"/>
+                <a:ea typeface="+mn-ea"/>
+                <a:cs typeface="+mn-cs"/>
+              </a:defRPr>
+            </a:lvl1pPr>
+            <a:lvl2pPr marL="457200" indent="-228600" algn="l" defTabSz="914400" rtl="0" eaLnBrk="1" latinLnBrk="0" hangingPunct="1">
+              <a:lnSpc>
+                <a:spcPct val="100000"/>
+              </a:lnSpc>
+              <a:spcBef>
+                <a:spcPts val="1000"/>
+              </a:spcBef>
+              <a:buClr>
+                <a:schemeClr val="accent2"/>
+              </a:buClr>
+              <a:buFont typeface="Arial" panose="020B0604020202020204" pitchFamily="34" charset="0"/>
+              <a:buChar char="•"/>
+              <a:defRPr sz="1600" kern="1200">
+                <a:solidFill>
+                  <a:schemeClr val="tx1">
+                    <a:lumMod val="85000"/>
+                    <a:lumOff val="15000"/>
+                  </a:schemeClr>
+                </a:solidFill>
+                <a:latin typeface="+mn-lt"/>
+                <a:ea typeface="+mn-ea"/>
+                <a:cs typeface="+mn-cs"/>
+              </a:defRPr>
+            </a:lvl2pPr>
+            <a:lvl3pPr marL="685800" indent="-228600" algn="l" defTabSz="914400" rtl="0" eaLnBrk="1" latinLnBrk="0" hangingPunct="1">
+              <a:lnSpc>
+                <a:spcPct val="100000"/>
+              </a:lnSpc>
+              <a:spcBef>
+                <a:spcPts val="1000"/>
+              </a:spcBef>
+              <a:buClr>
+                <a:schemeClr val="accent2"/>
+              </a:buClr>
+              <a:buFont typeface="Arial" panose="020B0604020202020204" pitchFamily="34" charset="0"/>
+              <a:buChar char="•"/>
+              <a:defRPr sz="1600" kern="1200">
+                <a:solidFill>
+                  <a:schemeClr val="tx1">
+                    <a:lumMod val="85000"/>
+                    <a:lumOff val="15000"/>
+                  </a:schemeClr>
+                </a:solidFill>
+                <a:latin typeface="+mn-lt"/>
+                <a:ea typeface="+mn-ea"/>
+                <a:cs typeface="+mn-cs"/>
+              </a:defRPr>
+            </a:lvl3pPr>
+            <a:lvl4pPr marL="914400" indent="-228600" algn="l" defTabSz="914400" rtl="0" eaLnBrk="1" latinLnBrk="0" hangingPunct="1">
+              <a:lnSpc>
+                <a:spcPct val="100000"/>
+              </a:lnSpc>
+              <a:spcBef>
+                <a:spcPts val="1000"/>
+              </a:spcBef>
+              <a:buClr>
+                <a:schemeClr val="accent2"/>
+              </a:buClr>
+              <a:buFont typeface="Arial" panose="020B0604020202020204" pitchFamily="34" charset="0"/>
+              <a:buChar char="•"/>
+              <a:defRPr sz="1600" kern="1200">
+                <a:solidFill>
+                  <a:schemeClr val="tx1">
+                    <a:lumMod val="85000"/>
+                    <a:lumOff val="15000"/>
+                  </a:schemeClr>
+                </a:solidFill>
+                <a:latin typeface="+mn-lt"/>
+                <a:ea typeface="+mn-ea"/>
+                <a:cs typeface="+mn-cs"/>
+              </a:defRPr>
+            </a:lvl4pPr>
+            <a:lvl5pPr marL="1143000" indent="-228600" algn="l" defTabSz="914400" rtl="0" eaLnBrk="1" latinLnBrk="0" hangingPunct="1">
+              <a:lnSpc>
+                <a:spcPct val="100000"/>
+              </a:lnSpc>
+              <a:spcBef>
+                <a:spcPts val="1000"/>
+              </a:spcBef>
+              <a:buClr>
+                <a:schemeClr val="accent2"/>
+              </a:buClr>
+              <a:buFont typeface="Arial" panose="020B0604020202020204" pitchFamily="34" charset="0"/>
+              <a:buChar char="•"/>
+              <a:defRPr sz="1600" kern="1200">
+                <a:solidFill>
+                  <a:schemeClr val="tx1">
+                    <a:lumMod val="85000"/>
+                    <a:lumOff val="15000"/>
+                  </a:schemeClr>
+                </a:solidFill>
+                <a:latin typeface="+mn-lt"/>
+                <a:ea typeface="+mn-ea"/>
+                <a:cs typeface="+mn-cs"/>
+              </a:defRPr>
+            </a:lvl5pPr>
+            <a:lvl6pPr marL="1312863" indent="-228600" algn="l" defTabSz="914400" rtl="0" eaLnBrk="1" latinLnBrk="0" hangingPunct="1">
+              <a:lnSpc>
+                <a:spcPct val="100000"/>
+              </a:lnSpc>
+              <a:spcBef>
+                <a:spcPts val="1000"/>
+              </a:spcBef>
+              <a:buClr>
+                <a:schemeClr val="accent2"/>
+              </a:buClr>
+              <a:buFont typeface="Arial" panose="020B0604020202020204" pitchFamily="34" charset="0"/>
+              <a:buChar char="•"/>
+              <a:defRPr sz="1600" kern="1200">
+                <a:solidFill>
+                  <a:schemeClr val="tx1"/>
+                </a:solidFill>
+                <a:latin typeface="+mn-lt"/>
+                <a:ea typeface="+mn-ea"/>
+                <a:cs typeface="+mn-cs"/>
+              </a:defRPr>
+            </a:lvl6pPr>
+            <a:lvl7pPr marL="1484313" indent="-228600" algn="l" defTabSz="914400" rtl="0" eaLnBrk="1" latinLnBrk="0" hangingPunct="1">
+              <a:lnSpc>
+                <a:spcPct val="100000"/>
+              </a:lnSpc>
+              <a:spcBef>
+                <a:spcPts val="1000"/>
+              </a:spcBef>
+              <a:buClr>
+                <a:schemeClr val="accent2"/>
+              </a:buClr>
+              <a:buFont typeface="Arial" panose="020B0604020202020204" pitchFamily="34" charset="0"/>
+              <a:buChar char="•"/>
+              <a:defRPr sz="1600" kern="1200">
+                <a:solidFill>
+                  <a:schemeClr val="tx1"/>
+                </a:solidFill>
+                <a:latin typeface="+mn-lt"/>
+                <a:ea typeface="+mn-ea"/>
+                <a:cs typeface="+mn-cs"/>
+              </a:defRPr>
+            </a:lvl7pPr>
+            <a:lvl8pPr marL="1657350" indent="-228600" algn="l" defTabSz="914400" rtl="0" eaLnBrk="1" latinLnBrk="0" hangingPunct="1">
+              <a:lnSpc>
+                <a:spcPct val="100000"/>
+              </a:lnSpc>
+              <a:spcBef>
+                <a:spcPts val="1000"/>
+              </a:spcBef>
+              <a:buClr>
+                <a:schemeClr val="accent2"/>
+              </a:buClr>
+              <a:buFont typeface="Arial" panose="020B0604020202020204" pitchFamily="34" charset="0"/>
+              <a:buChar char="•"/>
+              <a:defRPr sz="1600" kern="1200" baseline="0">
+                <a:solidFill>
+                  <a:schemeClr val="tx1"/>
+                </a:solidFill>
+                <a:latin typeface="+mn-lt"/>
+                <a:ea typeface="+mn-ea"/>
+                <a:cs typeface="+mn-cs"/>
+              </a:defRPr>
+            </a:lvl8pPr>
+            <a:lvl9pPr marL="1882775" indent="-228600" algn="l" defTabSz="914400" rtl="0" eaLnBrk="1" latinLnBrk="0" hangingPunct="1">
+              <a:lnSpc>
+                <a:spcPct val="100000"/>
+              </a:lnSpc>
+              <a:spcBef>
+                <a:spcPts val="1000"/>
+              </a:spcBef>
+              <a:buClr>
+                <a:schemeClr val="accent2"/>
+              </a:buClr>
+              <a:buFont typeface="Arial" panose="020B0604020202020204" pitchFamily="34" charset="0"/>
+              <a:buChar char="•"/>
+              <a:defRPr sz="1600" kern="1200" baseline="0">
+                <a:solidFill>
+                  <a:schemeClr val="tx1"/>
+                </a:solidFill>
+                <a:latin typeface="+mn-lt"/>
+                <a:ea typeface="+mn-ea"/>
+                <a:cs typeface="+mn-cs"/>
+              </a:defRPr>
+            </a:lvl9pPr>
+          </a:lstStyle>
+          <a:p>
+            <a:pPr marL="0" indent="0">
+              <a:buFont typeface="Arial" panose="020B0604020202020204" pitchFamily="34" charset="0"/>
+              <a:buNone/>
+            </a:pPr>
+            <a:r>
+              <a:rPr lang="en-US" sz="2000" b="1" dirty="0">
+                <a:latin typeface="Times New Roman" panose="02020603050405020304" pitchFamily="18" charset="0"/>
+                <a:cs typeface="Times New Roman" panose="02020603050405020304" pitchFamily="18" charset="0"/>
+              </a:rPr>
+              <a:t>Top Countries</a:t>
+            </a:r>
+          </a:p>
+          <a:p>
+            <a:r>
+              <a:rPr lang="en-US" dirty="0">
+                <a:latin typeface="Times New Roman" panose="02020603050405020304" pitchFamily="18" charset="0"/>
+                <a:cs typeface="Times New Roman" panose="02020603050405020304" pitchFamily="18" charset="0"/>
+              </a:rPr>
+              <a:t>Iraq</a:t>
+            </a:r>
+          </a:p>
+          <a:p>
+            <a:r>
+              <a:rPr lang="en-US" dirty="0">
+                <a:latin typeface="Times New Roman" panose="02020603050405020304" pitchFamily="18" charset="0"/>
+                <a:cs typeface="Times New Roman" panose="02020603050405020304" pitchFamily="18" charset="0"/>
+              </a:rPr>
+              <a:t>Pakistan</a:t>
+            </a:r>
+          </a:p>
+          <a:p>
+            <a:r>
+              <a:rPr lang="en-US" dirty="0">
+                <a:latin typeface="Times New Roman" panose="02020603050405020304" pitchFamily="18" charset="0"/>
+                <a:cs typeface="Times New Roman" panose="02020603050405020304" pitchFamily="18" charset="0"/>
+              </a:rPr>
+              <a:t>Afghanistan</a:t>
+            </a:r>
+          </a:p>
+          <a:p>
+            <a:r>
+              <a:rPr lang="en-US" dirty="0">
+                <a:latin typeface="Times New Roman" panose="02020603050405020304" pitchFamily="18" charset="0"/>
+                <a:cs typeface="Times New Roman" panose="02020603050405020304" pitchFamily="18" charset="0"/>
+              </a:rPr>
+              <a:t>India</a:t>
+            </a:r>
+          </a:p>
+          <a:p>
+            <a:r>
+              <a:rPr lang="en-US" dirty="0">
+                <a:latin typeface="Times New Roman" panose="02020603050405020304" pitchFamily="18" charset="0"/>
+                <a:cs typeface="Times New Roman" panose="02020603050405020304" pitchFamily="18" charset="0"/>
+              </a:rPr>
+              <a:t>Colombia</a:t>
+            </a:r>
+          </a:p>
+          <a:p>
+            <a:r>
+              <a:rPr lang="en-US" dirty="0">
+                <a:latin typeface="Times New Roman" panose="02020603050405020304" pitchFamily="18" charset="0"/>
+                <a:cs typeface="Times New Roman" panose="02020603050405020304" pitchFamily="18" charset="0"/>
+              </a:rPr>
+              <a:t>Philippines</a:t>
+            </a:r>
+          </a:p>
+          <a:p>
+            <a:r>
+              <a:rPr lang="en-US" dirty="0">
+                <a:latin typeface="Times New Roman" panose="02020603050405020304" pitchFamily="18" charset="0"/>
+                <a:cs typeface="Times New Roman" panose="02020603050405020304" pitchFamily="18" charset="0"/>
+              </a:rPr>
+              <a:t>El Salvador</a:t>
+            </a:r>
+          </a:p>
+          <a:p>
+            <a:r>
+              <a:rPr lang="en-US" dirty="0">
+                <a:latin typeface="Times New Roman" panose="02020603050405020304" pitchFamily="18" charset="0"/>
+                <a:cs typeface="Times New Roman" panose="02020603050405020304" pitchFamily="18" charset="0"/>
+              </a:rPr>
+              <a:t>United Kingdoms</a:t>
+            </a:r>
+          </a:p>
+          <a:p>
+            <a:r>
+              <a:rPr lang="en-US" dirty="0">
+                <a:latin typeface="Times New Roman" panose="02020603050405020304" pitchFamily="18" charset="0"/>
+                <a:cs typeface="Times New Roman" panose="02020603050405020304" pitchFamily="18" charset="0"/>
+              </a:rPr>
+              <a:t>Turkey</a:t>
+            </a:r>
+          </a:p>
+          <a:p>
+            <a:endParaRPr lang="en-US" dirty="0">
+              <a:latin typeface="Times New Roman" panose="02020603050405020304" pitchFamily="18" charset="0"/>
+              <a:cs typeface="Times New Roman" panose="02020603050405020304" pitchFamily="18" charset="0"/>
+            </a:endParaRPr>
+          </a:p>
+          <a:p>
+            <a:endParaRPr lang="en-US" dirty="0">
+              <a:latin typeface="Times New Roman" panose="02020603050405020304" pitchFamily="18" charset="0"/>
+              <a:cs typeface="Times New Roman" panose="02020603050405020304" pitchFamily="18" charset="0"/>
+            </a:endParaRPr>
+          </a:p>
+        </p:txBody>
+      </p:sp>
+      <p:sp>
+        <p:nvSpPr>
+          <p:cNvPr id="6" name="Content Placeholder 2">
+            <a:extLst>
+              <a:ext uri="{FF2B5EF4-FFF2-40B4-BE49-F238E27FC236}">
+                <a16:creationId xmlns:a16="http://schemas.microsoft.com/office/drawing/2014/main" id="{6A1F2D07-0A09-4A11-81D6-2C289743EB3C}"/>
+              </a:ext>
+            </a:extLst>
+          </p:cNvPr>
+          <p:cNvSpPr txBox="1">
+            <a:spLocks/>
+          </p:cNvSpPr>
+          <p:nvPr/>
+        </p:nvSpPr>
+        <p:spPr>
+          <a:xfrm>
+            <a:off x="7600335" y="2195244"/>
+            <a:ext cx="3996814" cy="4661621"/>
+          </a:xfrm>
+          <a:prstGeom prst="rect">
+            <a:avLst/>
+          </a:prstGeom>
+        </p:spPr>
+        <p:txBody>
+          <a:bodyPr vert="horz" lIns="91440" tIns="45720" rIns="91440" bIns="45720" rtlCol="0">
+            <a:normAutofit/>
+          </a:bodyPr>
+          <a:lstStyle>
+            <a:lvl1pPr marL="228600" indent="-228600" algn="l" defTabSz="914400" rtl="0" eaLnBrk="1" latinLnBrk="0" hangingPunct="1">
+              <a:lnSpc>
+                <a:spcPct val="100000"/>
+              </a:lnSpc>
+              <a:spcBef>
+                <a:spcPts val="1000"/>
+              </a:spcBef>
+              <a:buClr>
+                <a:schemeClr val="accent2"/>
+              </a:buClr>
+              <a:buFont typeface="Arial" panose="020B0604020202020204" pitchFamily="34" charset="0"/>
+              <a:buChar char="•"/>
+              <a:defRPr sz="1800" kern="1200">
+                <a:solidFill>
+                  <a:schemeClr val="tx1">
+                    <a:lumMod val="85000"/>
+                    <a:lumOff val="15000"/>
+                  </a:schemeClr>
+                </a:solidFill>
+                <a:latin typeface="+mn-lt"/>
+                <a:ea typeface="+mn-ea"/>
+                <a:cs typeface="+mn-cs"/>
+              </a:defRPr>
+            </a:lvl1pPr>
+            <a:lvl2pPr marL="457200" indent="-228600" algn="l" defTabSz="914400" rtl="0" eaLnBrk="1" latinLnBrk="0" hangingPunct="1">
+              <a:lnSpc>
+                <a:spcPct val="100000"/>
+              </a:lnSpc>
+              <a:spcBef>
+                <a:spcPts val="1000"/>
+              </a:spcBef>
+              <a:buClr>
+                <a:schemeClr val="accent2"/>
+              </a:buClr>
+              <a:buFont typeface="Arial" panose="020B0604020202020204" pitchFamily="34" charset="0"/>
+              <a:buChar char="•"/>
+              <a:defRPr sz="1600" kern="1200">
+                <a:solidFill>
+                  <a:schemeClr val="tx1">
+                    <a:lumMod val="85000"/>
+                    <a:lumOff val="15000"/>
+                  </a:schemeClr>
+                </a:solidFill>
+                <a:latin typeface="+mn-lt"/>
+                <a:ea typeface="+mn-ea"/>
+                <a:cs typeface="+mn-cs"/>
+              </a:defRPr>
+            </a:lvl2pPr>
+            <a:lvl3pPr marL="685800" indent="-228600" algn="l" defTabSz="914400" rtl="0" eaLnBrk="1" latinLnBrk="0" hangingPunct="1">
+              <a:lnSpc>
+                <a:spcPct val="100000"/>
+              </a:lnSpc>
+              <a:spcBef>
+                <a:spcPts val="1000"/>
+              </a:spcBef>
+              <a:buClr>
+                <a:schemeClr val="accent2"/>
+              </a:buClr>
+              <a:buFont typeface="Arial" panose="020B0604020202020204" pitchFamily="34" charset="0"/>
+              <a:buChar char="•"/>
+              <a:defRPr sz="1600" kern="1200">
+                <a:solidFill>
+                  <a:schemeClr val="tx1">
+                    <a:lumMod val="85000"/>
+                    <a:lumOff val="15000"/>
+                  </a:schemeClr>
+                </a:solidFill>
+                <a:latin typeface="+mn-lt"/>
+                <a:ea typeface="+mn-ea"/>
+                <a:cs typeface="+mn-cs"/>
+              </a:defRPr>
+            </a:lvl3pPr>
+            <a:lvl4pPr marL="914400" indent="-228600" algn="l" defTabSz="914400" rtl="0" eaLnBrk="1" latinLnBrk="0" hangingPunct="1">
+              <a:lnSpc>
+                <a:spcPct val="100000"/>
+              </a:lnSpc>
+              <a:spcBef>
+                <a:spcPts val="1000"/>
+              </a:spcBef>
+              <a:buClr>
+                <a:schemeClr val="accent2"/>
+              </a:buClr>
+              <a:buFont typeface="Arial" panose="020B0604020202020204" pitchFamily="34" charset="0"/>
+              <a:buChar char="•"/>
+              <a:defRPr sz="1600" kern="1200">
+                <a:solidFill>
+                  <a:schemeClr val="tx1">
+                    <a:lumMod val="85000"/>
+                    <a:lumOff val="15000"/>
+                  </a:schemeClr>
+                </a:solidFill>
+                <a:latin typeface="+mn-lt"/>
+                <a:ea typeface="+mn-ea"/>
+                <a:cs typeface="+mn-cs"/>
+              </a:defRPr>
+            </a:lvl4pPr>
+            <a:lvl5pPr marL="1143000" indent="-228600" algn="l" defTabSz="914400" rtl="0" eaLnBrk="1" latinLnBrk="0" hangingPunct="1">
+              <a:lnSpc>
+                <a:spcPct val="100000"/>
+              </a:lnSpc>
+              <a:spcBef>
+                <a:spcPts val="1000"/>
+              </a:spcBef>
+              <a:buClr>
+                <a:schemeClr val="accent2"/>
+              </a:buClr>
+              <a:buFont typeface="Arial" panose="020B0604020202020204" pitchFamily="34" charset="0"/>
+              <a:buChar char="•"/>
+              <a:defRPr sz="1600" kern="1200">
+                <a:solidFill>
+                  <a:schemeClr val="tx1">
+                    <a:lumMod val="85000"/>
+                    <a:lumOff val="15000"/>
+                  </a:schemeClr>
+                </a:solidFill>
+                <a:latin typeface="+mn-lt"/>
+                <a:ea typeface="+mn-ea"/>
+                <a:cs typeface="+mn-cs"/>
+              </a:defRPr>
+            </a:lvl5pPr>
+            <a:lvl6pPr marL="1312863" indent="-228600" algn="l" defTabSz="914400" rtl="0" eaLnBrk="1" latinLnBrk="0" hangingPunct="1">
+              <a:lnSpc>
+                <a:spcPct val="100000"/>
+              </a:lnSpc>
+              <a:spcBef>
+                <a:spcPts val="1000"/>
+              </a:spcBef>
+              <a:buClr>
+                <a:schemeClr val="accent2"/>
+              </a:buClr>
+              <a:buFont typeface="Arial" panose="020B0604020202020204" pitchFamily="34" charset="0"/>
+              <a:buChar char="•"/>
+              <a:defRPr sz="1600" kern="1200">
+                <a:solidFill>
+                  <a:schemeClr val="tx1"/>
+                </a:solidFill>
+                <a:latin typeface="+mn-lt"/>
+                <a:ea typeface="+mn-ea"/>
+                <a:cs typeface="+mn-cs"/>
+              </a:defRPr>
+            </a:lvl6pPr>
+            <a:lvl7pPr marL="1484313" indent="-228600" algn="l" defTabSz="914400" rtl="0" eaLnBrk="1" latinLnBrk="0" hangingPunct="1">
+              <a:lnSpc>
+                <a:spcPct val="100000"/>
+              </a:lnSpc>
+              <a:spcBef>
+                <a:spcPts val="1000"/>
+              </a:spcBef>
+              <a:buClr>
+                <a:schemeClr val="accent2"/>
+              </a:buClr>
+              <a:buFont typeface="Arial" panose="020B0604020202020204" pitchFamily="34" charset="0"/>
+              <a:buChar char="•"/>
+              <a:defRPr sz="1600" kern="1200">
+                <a:solidFill>
+                  <a:schemeClr val="tx1"/>
+                </a:solidFill>
+                <a:latin typeface="+mn-lt"/>
+                <a:ea typeface="+mn-ea"/>
+                <a:cs typeface="+mn-cs"/>
+              </a:defRPr>
+            </a:lvl7pPr>
+            <a:lvl8pPr marL="1657350" indent="-228600" algn="l" defTabSz="914400" rtl="0" eaLnBrk="1" latinLnBrk="0" hangingPunct="1">
+              <a:lnSpc>
+                <a:spcPct val="100000"/>
+              </a:lnSpc>
+              <a:spcBef>
+                <a:spcPts val="1000"/>
+              </a:spcBef>
+              <a:buClr>
+                <a:schemeClr val="accent2"/>
+              </a:buClr>
+              <a:buFont typeface="Arial" panose="020B0604020202020204" pitchFamily="34" charset="0"/>
+              <a:buChar char="•"/>
+              <a:defRPr sz="1600" kern="1200" baseline="0">
+                <a:solidFill>
+                  <a:schemeClr val="tx1"/>
+                </a:solidFill>
+                <a:latin typeface="+mn-lt"/>
+                <a:ea typeface="+mn-ea"/>
+                <a:cs typeface="+mn-cs"/>
+              </a:defRPr>
+            </a:lvl8pPr>
+            <a:lvl9pPr marL="1882775" indent="-228600" algn="l" defTabSz="914400" rtl="0" eaLnBrk="1" latinLnBrk="0" hangingPunct="1">
+              <a:lnSpc>
+                <a:spcPct val="100000"/>
+              </a:lnSpc>
+              <a:spcBef>
+                <a:spcPts val="1000"/>
+              </a:spcBef>
+              <a:buClr>
+                <a:schemeClr val="accent2"/>
+              </a:buClr>
+              <a:buFont typeface="Arial" panose="020B0604020202020204" pitchFamily="34" charset="0"/>
+              <a:buChar char="•"/>
+              <a:defRPr sz="1600" kern="1200" baseline="0">
+                <a:solidFill>
+                  <a:schemeClr val="tx1"/>
+                </a:solidFill>
+                <a:latin typeface="+mn-lt"/>
+                <a:ea typeface="+mn-ea"/>
+                <a:cs typeface="+mn-cs"/>
+              </a:defRPr>
+            </a:lvl9pPr>
+          </a:lstStyle>
+          <a:p>
+            <a:pPr marL="0" indent="0">
+              <a:buFont typeface="Arial" panose="020B0604020202020204" pitchFamily="34" charset="0"/>
+              <a:buNone/>
+            </a:pPr>
+            <a:r>
+              <a:rPr lang="en-US" sz="2000" b="1" dirty="0">
+                <a:latin typeface="Times New Roman" panose="02020603050405020304" pitchFamily="18" charset="0"/>
+                <a:cs typeface="Times New Roman" panose="02020603050405020304" pitchFamily="18" charset="0"/>
+              </a:rPr>
+              <a:t>Top Cities</a:t>
+            </a:r>
+          </a:p>
+          <a:p>
+            <a:r>
+              <a:rPr lang="en-US" dirty="0">
+                <a:latin typeface="Times New Roman" panose="02020603050405020304" pitchFamily="18" charset="0"/>
+                <a:cs typeface="Times New Roman" panose="02020603050405020304" pitchFamily="18" charset="0"/>
+              </a:rPr>
+              <a:t>Baghdad</a:t>
+            </a:r>
+          </a:p>
+          <a:p>
+            <a:r>
+              <a:rPr lang="en-US" dirty="0">
+                <a:latin typeface="Times New Roman" panose="02020603050405020304" pitchFamily="18" charset="0"/>
+                <a:cs typeface="Times New Roman" panose="02020603050405020304" pitchFamily="18" charset="0"/>
+              </a:rPr>
+              <a:t>Karachi</a:t>
+            </a:r>
+          </a:p>
+          <a:p>
+            <a:r>
+              <a:rPr lang="en-US" dirty="0">
+                <a:latin typeface="Times New Roman" panose="02020603050405020304" pitchFamily="18" charset="0"/>
+                <a:cs typeface="Times New Roman" panose="02020603050405020304" pitchFamily="18" charset="0"/>
+              </a:rPr>
+              <a:t>Lima</a:t>
+            </a:r>
+          </a:p>
+          <a:p>
+            <a:r>
+              <a:rPr lang="en-US" dirty="0">
+                <a:latin typeface="Times New Roman" panose="02020603050405020304" pitchFamily="18" charset="0"/>
+                <a:cs typeface="Times New Roman" panose="02020603050405020304" pitchFamily="18" charset="0"/>
+              </a:rPr>
+              <a:t>Mosul</a:t>
+            </a:r>
+          </a:p>
+          <a:p>
+            <a:r>
+              <a:rPr lang="en-US" dirty="0">
+                <a:latin typeface="Times New Roman" panose="02020603050405020304" pitchFamily="18" charset="0"/>
+                <a:cs typeface="Times New Roman" panose="02020603050405020304" pitchFamily="18" charset="0"/>
+              </a:rPr>
+              <a:t>Belfast</a:t>
+            </a:r>
+          </a:p>
+          <a:p>
+            <a:r>
+              <a:rPr lang="en-US" dirty="0">
+                <a:latin typeface="Times New Roman" panose="02020603050405020304" pitchFamily="18" charset="0"/>
+                <a:cs typeface="Times New Roman" panose="02020603050405020304" pitchFamily="18" charset="0"/>
+              </a:rPr>
+              <a:t>Santiago</a:t>
+            </a:r>
+          </a:p>
+          <a:p>
+            <a:r>
+              <a:rPr lang="en-US" dirty="0">
+                <a:latin typeface="Times New Roman" panose="02020603050405020304" pitchFamily="18" charset="0"/>
+                <a:cs typeface="Times New Roman" panose="02020603050405020304" pitchFamily="18" charset="0"/>
+              </a:rPr>
+              <a:t>San Salvador</a:t>
+            </a:r>
+          </a:p>
+          <a:p>
+            <a:r>
+              <a:rPr lang="en-US" dirty="0">
+                <a:latin typeface="Times New Roman" panose="02020603050405020304" pitchFamily="18" charset="0"/>
+                <a:cs typeface="Times New Roman" panose="02020603050405020304" pitchFamily="18" charset="0"/>
+              </a:rPr>
+              <a:t>Istanbul</a:t>
+            </a:r>
+          </a:p>
+          <a:p>
+            <a:r>
+              <a:rPr lang="en-US" dirty="0">
+                <a:latin typeface="Times New Roman" panose="02020603050405020304" pitchFamily="18" charset="0"/>
+                <a:cs typeface="Times New Roman" panose="02020603050405020304" pitchFamily="18" charset="0"/>
+              </a:rPr>
+              <a:t>Athens</a:t>
+            </a:r>
+          </a:p>
+          <a:p>
+            <a:r>
+              <a:rPr lang="en-US" dirty="0">
+                <a:latin typeface="Times New Roman" panose="02020603050405020304" pitchFamily="18" charset="0"/>
+                <a:cs typeface="Times New Roman" panose="02020603050405020304" pitchFamily="18" charset="0"/>
+              </a:rPr>
+              <a:t>Bogota</a:t>
+            </a:r>
+          </a:p>
+          <a:p>
+            <a:pPr marL="0" indent="0">
+              <a:buNone/>
+            </a:pPr>
+            <a:endParaRPr lang="en-US" dirty="0">
               <a:latin typeface="Times New Roman" panose="02020603050405020304" pitchFamily="18" charset="0"/>
               <a:cs typeface="Times New Roman" panose="02020603050405020304" pitchFamily="18" charset="0"/>
             </a:endParaRPr>
@@ -5002,7 +6393,7 @@
           <p:cNvPr id="2" name="Title 1">
             <a:extLst>
               <a:ext uri="{FF2B5EF4-FFF2-40B4-BE49-F238E27FC236}">
-                <a16:creationId xmlns:a16="http://schemas.microsoft.com/office/drawing/2014/main" id="{E06AE9AC-BC9C-4E72-8245-26CADBAD4A3F}"/>
+                <a16:creationId xmlns:a16="http://schemas.microsoft.com/office/drawing/2014/main" id="{825400C3-3ECD-4C67-AE54-6C4443305641}"/>
               </a:ext>
             </a:extLst>
           </p:cNvPr>
@@ -5015,31 +6406,277 @@
         </p:nvSpPr>
         <p:spPr>
           <a:xfrm>
-            <a:off x="1946001" y="2646008"/>
-            <a:ext cx="7729728" cy="1188720"/>
+            <a:off x="1887006" y="679558"/>
+            <a:ext cx="7256994" cy="539643"/>
           </a:xfrm>
         </p:spPr>
         <p:txBody>
-          <a:bodyPr/>
+          <a:bodyPr>
+            <a:normAutofit fontScale="90000"/>
+          </a:bodyPr>
           <a:lstStyle/>
           <a:p>
             <a:r>
               <a:rPr lang="en-IN" dirty="0"/>
-              <a:t>Thank you</a:t>
-            </a:r>
+              <a:t>Insights</a:t>
+            </a:r>
+          </a:p>
+        </p:txBody>
+      </p:sp>
+      <p:sp>
+        <p:nvSpPr>
+          <p:cNvPr id="3" name="Content Placeholder 2">
+            <a:extLst>
+              <a:ext uri="{FF2B5EF4-FFF2-40B4-BE49-F238E27FC236}">
+                <a16:creationId xmlns:a16="http://schemas.microsoft.com/office/drawing/2014/main" id="{2A2474F9-0CFA-4CA4-943B-3E6BF0DE507C}"/>
+              </a:ext>
+            </a:extLst>
+          </p:cNvPr>
+          <p:cNvSpPr>
+            <a:spLocks noGrp="1"/>
+          </p:cNvSpPr>
+          <p:nvPr>
+            <p:ph idx="1"/>
+          </p:nvPr>
+        </p:nvSpPr>
+        <p:spPr>
+          <a:xfrm>
+            <a:off x="958251" y="1504335"/>
+            <a:ext cx="9601594" cy="4935794"/>
+          </a:xfrm>
+        </p:spPr>
+        <p:txBody>
+          <a:bodyPr>
+            <a:normAutofit lnSpcReduction="10000"/>
+          </a:bodyPr>
+          <a:lstStyle/>
+          <a:p>
+            <a:r>
+              <a:rPr lang="en-US" sz="2000" dirty="0">
+                <a:latin typeface="Times New Roman" panose="02020603050405020304" pitchFamily="18" charset="0"/>
+                <a:cs typeface="Times New Roman" panose="02020603050405020304" pitchFamily="18" charset="0"/>
+              </a:rPr>
+              <a:t>The main hot zone regions are </a:t>
+            </a:r>
+            <a:r>
+              <a:rPr lang="en-US" sz="2000" dirty="0">
+                <a:solidFill>
+                  <a:srgbClr val="0070C0"/>
+                </a:solidFill>
+                <a:latin typeface="Times New Roman" panose="02020603050405020304" pitchFamily="18" charset="0"/>
+                <a:cs typeface="Times New Roman" panose="02020603050405020304" pitchFamily="18" charset="0"/>
+              </a:rPr>
+              <a:t>Middle East &amp; North Africa, South Asia, Sub-Saharan Africa </a:t>
+            </a:r>
+            <a:r>
+              <a:rPr lang="en-US" sz="2000" dirty="0">
+                <a:solidFill>
+                  <a:schemeClr val="tx1"/>
+                </a:solidFill>
+                <a:latin typeface="Times New Roman" panose="02020603050405020304" pitchFamily="18" charset="0"/>
+                <a:cs typeface="Times New Roman" panose="02020603050405020304" pitchFamily="18" charset="0"/>
+              </a:rPr>
+              <a:t>3.1 lakhs people in this region, the total people killed all among the region was 4.08 lakhs only. H</a:t>
+            </a:r>
+            <a:r>
+              <a:rPr lang="en-US" sz="2000" dirty="0">
+                <a:latin typeface="Times New Roman" panose="02020603050405020304" pitchFamily="18" charset="0"/>
+                <a:cs typeface="Times New Roman" panose="02020603050405020304" pitchFamily="18" charset="0"/>
+              </a:rPr>
+              <a:t>ere Middle East &amp; North Africa region plays a vital role in terrorism</a:t>
+            </a:r>
+          </a:p>
+          <a:p>
+            <a:r>
+              <a:rPr lang="en-US" sz="2000" dirty="0">
+                <a:latin typeface="Times New Roman" panose="02020603050405020304" pitchFamily="18" charset="0"/>
+                <a:cs typeface="Times New Roman" panose="02020603050405020304" pitchFamily="18" charset="0"/>
+              </a:rPr>
+              <a:t>The Main gangs that are </a:t>
+            </a:r>
+            <a:r>
+              <a:rPr lang="en-US" sz="2000" dirty="0">
+                <a:solidFill>
+                  <a:srgbClr val="0070C0"/>
+                </a:solidFill>
+                <a:latin typeface="Times New Roman" panose="02020603050405020304" pitchFamily="18" charset="0"/>
+                <a:cs typeface="Times New Roman" panose="02020603050405020304" pitchFamily="18" charset="0"/>
+              </a:rPr>
+              <a:t>Taliban, Islamic State Of Iraq And The Levant, Shining Path</a:t>
+            </a:r>
+            <a:r>
+              <a:rPr lang="en-US" sz="2000" b="1" dirty="0">
+                <a:solidFill>
+                  <a:srgbClr val="FF0000"/>
+                </a:solidFill>
+                <a:latin typeface="Times New Roman" panose="02020603050405020304" pitchFamily="18" charset="0"/>
+                <a:cs typeface="Times New Roman" panose="02020603050405020304" pitchFamily="18" charset="0"/>
+              </a:rPr>
+              <a:t> </a:t>
+            </a:r>
+            <a:r>
+              <a:rPr lang="en-US" sz="2000" dirty="0">
+                <a:latin typeface="Times New Roman" panose="02020603050405020304" pitchFamily="18" charset="0"/>
+                <a:cs typeface="Times New Roman" panose="02020603050405020304" pitchFamily="18" charset="0"/>
+              </a:rPr>
+              <a:t>these gang conduct large attack. These gangs conduct high number attacks mainly after 2000.</a:t>
+            </a:r>
+          </a:p>
+          <a:p>
+            <a:r>
+              <a:rPr lang="en-US" sz="2000" dirty="0">
+                <a:latin typeface="Times New Roman" panose="02020603050405020304" pitchFamily="18" charset="0"/>
+                <a:cs typeface="Times New Roman" panose="02020603050405020304" pitchFamily="18" charset="0"/>
+              </a:rPr>
+              <a:t>Baghdad and Karachi is top cities well known for Terrorism.</a:t>
+            </a:r>
+          </a:p>
+          <a:p>
+            <a:r>
+              <a:rPr lang="en-US" sz="2000" dirty="0">
+                <a:latin typeface="Times New Roman" panose="02020603050405020304" pitchFamily="18" charset="0"/>
+                <a:cs typeface="Times New Roman" panose="02020603050405020304" pitchFamily="18" charset="0"/>
+              </a:rPr>
+              <a:t>Iraq, Pakistan, India, Afghanistan</a:t>
+            </a:r>
+          </a:p>
+          <a:p>
+            <a:r>
+              <a:rPr lang="en-US" sz="2000" dirty="0">
+                <a:latin typeface="Times New Roman" panose="02020603050405020304" pitchFamily="18" charset="0"/>
+                <a:cs typeface="Times New Roman" panose="02020603050405020304" pitchFamily="18" charset="0"/>
+              </a:rPr>
+              <a:t>After </a:t>
+            </a:r>
+            <a:r>
+              <a:rPr lang="en-US" sz="2000" b="1" dirty="0">
+                <a:solidFill>
+                  <a:srgbClr val="0070C0"/>
+                </a:solidFill>
+                <a:latin typeface="Times New Roman" panose="02020603050405020304" pitchFamily="18" charset="0"/>
+                <a:cs typeface="Times New Roman" panose="02020603050405020304" pitchFamily="18" charset="0"/>
+              </a:rPr>
+              <a:t>2004</a:t>
+            </a:r>
+            <a:r>
+              <a:rPr lang="en-US" sz="2000" dirty="0">
+                <a:latin typeface="Times New Roman" panose="02020603050405020304" pitchFamily="18" charset="0"/>
+                <a:cs typeface="Times New Roman" panose="02020603050405020304" pitchFamily="18" charset="0"/>
+              </a:rPr>
+              <a:t> the number of terrorist attack get double every year , in the year </a:t>
+            </a:r>
+            <a:r>
+              <a:rPr lang="en-US" sz="2000" b="1" dirty="0">
+                <a:solidFill>
+                  <a:srgbClr val="0070C0"/>
+                </a:solidFill>
+                <a:latin typeface="Times New Roman" panose="02020603050405020304" pitchFamily="18" charset="0"/>
+                <a:cs typeface="Times New Roman" panose="02020603050405020304" pitchFamily="18" charset="0"/>
+              </a:rPr>
+              <a:t>2015,</a:t>
+            </a:r>
+            <a:r>
+              <a:rPr lang="en-US" sz="2000" b="1" dirty="0">
+                <a:latin typeface="Times New Roman" panose="02020603050405020304" pitchFamily="18" charset="0"/>
+                <a:cs typeface="Times New Roman" panose="02020603050405020304" pitchFamily="18" charset="0"/>
+              </a:rPr>
+              <a:t> </a:t>
+            </a:r>
+            <a:r>
+              <a:rPr lang="en-US" sz="2000" dirty="0">
+                <a:latin typeface="Times New Roman" panose="02020603050405020304" pitchFamily="18" charset="0"/>
+                <a:cs typeface="Times New Roman" panose="02020603050405020304" pitchFamily="18" charset="0"/>
+              </a:rPr>
+              <a:t> </a:t>
+            </a:r>
+            <a:r>
+              <a:rPr lang="en-US" sz="2000" b="1" dirty="0">
+                <a:solidFill>
+                  <a:srgbClr val="0070C0"/>
+                </a:solidFill>
+                <a:latin typeface="Times New Roman" panose="02020603050405020304" pitchFamily="18" charset="0"/>
+                <a:cs typeface="Times New Roman" panose="02020603050405020304" pitchFamily="18" charset="0"/>
+              </a:rPr>
+              <a:t>15975</a:t>
+            </a:r>
+            <a:r>
+              <a:rPr lang="en-US" sz="2000" dirty="0">
+                <a:latin typeface="Times New Roman" panose="02020603050405020304" pitchFamily="18" charset="0"/>
+                <a:cs typeface="Times New Roman" panose="02020603050405020304" pitchFamily="18" charset="0"/>
+              </a:rPr>
+              <a:t> attack has been recorder.</a:t>
+            </a:r>
+          </a:p>
+          <a:p>
+            <a:r>
+              <a:rPr lang="en-US" sz="2000" dirty="0">
+                <a:latin typeface="Times New Roman" panose="02020603050405020304" pitchFamily="18" charset="0"/>
+                <a:cs typeface="Times New Roman" panose="02020603050405020304" pitchFamily="18" charset="0"/>
+              </a:rPr>
+              <a:t>The total attack was in history 181k, after 2000 the attacks was 104K attack recorded.</a:t>
+            </a:r>
+          </a:p>
+          <a:p>
+            <a:r>
+              <a:rPr lang="en-US" sz="2000" dirty="0">
+                <a:latin typeface="Times New Roman" panose="02020603050405020304" pitchFamily="18" charset="0"/>
+                <a:cs typeface="Times New Roman" panose="02020603050405020304" pitchFamily="18" charset="0"/>
+              </a:rPr>
+              <a:t>The Ransom cases are highly seen in South Asia, South America, Sub-Sharan Africa.</a:t>
+            </a:r>
+          </a:p>
+          <a:p>
+            <a:r>
+              <a:rPr lang="en-US" sz="2000" dirty="0">
+                <a:latin typeface="Times New Roman" panose="02020603050405020304" pitchFamily="18" charset="0"/>
+                <a:cs typeface="Times New Roman" panose="02020603050405020304" pitchFamily="18" charset="0"/>
+              </a:rPr>
+              <a:t>Terrorist most target types are Private Citizen &amp; property, Government, Military and Police</a:t>
+            </a:r>
+          </a:p>
+          <a:p>
+            <a:pPr marL="457200" indent="-457200">
+              <a:buFont typeface="+mj-lt"/>
+              <a:buAutoNum type="arabicPeriod"/>
+            </a:pPr>
+            <a:endParaRPr lang="en-US" sz="2000" dirty="0">
+              <a:latin typeface="Times New Roman" panose="02020603050405020304" pitchFamily="18" charset="0"/>
+              <a:cs typeface="Times New Roman" panose="02020603050405020304" pitchFamily="18" charset="0"/>
+            </a:endParaRPr>
+          </a:p>
+          <a:p>
+            <a:pPr marL="0" indent="0">
+              <a:buNone/>
+            </a:pPr>
+            <a:endParaRPr lang="en-US" sz="2000" dirty="0">
+              <a:latin typeface="Times New Roman" panose="02020603050405020304" pitchFamily="18" charset="0"/>
+              <a:cs typeface="Times New Roman" panose="02020603050405020304" pitchFamily="18" charset="0"/>
+            </a:endParaRPr>
           </a:p>
         </p:txBody>
       </p:sp>
     </p:spTree>
     <p:extLst>
       <p:ext uri="{BB962C8B-B14F-4D97-AF65-F5344CB8AC3E}">
-        <p14:creationId xmlns:p14="http://schemas.microsoft.com/office/powerpoint/2010/main" val="2443240942"/>
+        <p14:creationId xmlns:p14="http://schemas.microsoft.com/office/powerpoint/2010/main" val="1295262504"/>
       </p:ext>
     </p:extLst>
   </p:cSld>
   <p:clrMapOvr>
     <a:masterClrMapping/>
   </p:clrMapOvr>
+  <mc:AlternateContent xmlns:mc="http://schemas.openxmlformats.org/markup-compatibility/2006">
+    <mc:Choice xmlns:p159="http://schemas.microsoft.com/office/powerpoint/2015/09/main" Requires="p159">
+      <p:transition xmlns:p14="http://schemas.microsoft.com/office/powerpoint/2010/main" spd="slow" p14:dur="2000">
+        <p159:morph option="byObject"/>
+      </p:transition>
+    </mc:Choice>
+    <mc:Fallback>
+      <p:transition spd="slow">
+        <p:fade/>
+      </p:transition>
+    </mc:Fallback>
+  </mc:AlternateContent>
 </p:sld>
 </file>
 
@@ -5062,126 +6699,213 @@
       </p:grpSpPr>
       <p:sp>
         <p:nvSpPr>
-          <p:cNvPr id="4" name="Rectangle 3">
+          <p:cNvPr id="2" name="Title 1">
             <a:extLst>
               <a:ext uri="{FF2B5EF4-FFF2-40B4-BE49-F238E27FC236}">
-                <a16:creationId xmlns:a16="http://schemas.microsoft.com/office/drawing/2014/main" id="{17E439DA-79EB-475E-B9E3-7ABF369AC8D8}"/>
+                <a16:creationId xmlns:a16="http://schemas.microsoft.com/office/drawing/2014/main" id="{825400C3-3ECD-4C67-AE54-6C4443305641}"/>
               </a:ext>
             </a:extLst>
           </p:cNvPr>
-          <p:cNvSpPr/>
-          <p:nvPr/>
+          <p:cNvSpPr>
+            <a:spLocks noGrp="1"/>
+          </p:cNvSpPr>
+          <p:nvPr>
+            <p:ph type="title"/>
+          </p:nvPr>
         </p:nvSpPr>
         <p:spPr>
           <a:xfrm>
-            <a:off x="0" y="0"/>
-            <a:ext cx="12192000" cy="629265"/>
+            <a:off x="1887006" y="679558"/>
+            <a:ext cx="7256994" cy="539643"/>
           </a:xfrm>
-          <a:prstGeom prst="rect">
-            <a:avLst/>
-          </a:prstGeom>
-          <a:solidFill>
-            <a:schemeClr val="bg1"/>
-          </a:solidFill>
-          <a:ln>
-            <a:solidFill>
-              <a:schemeClr val="bg1"/>
-            </a:solidFill>
-          </a:ln>
         </p:spPr>
-        <p:style>
-          <a:lnRef idx="2">
-            <a:schemeClr val="accent1">
-              <a:shade val="50000"/>
-            </a:schemeClr>
-          </a:lnRef>
-          <a:fillRef idx="1">
-            <a:schemeClr val="accent1"/>
-          </a:fillRef>
-          <a:effectRef idx="0">
-            <a:schemeClr val="accent1"/>
-          </a:effectRef>
-          <a:fontRef idx="minor">
-            <a:schemeClr val="lt1"/>
-          </a:fontRef>
-        </p:style>
-        <p:txBody>
-          <a:bodyPr rtlCol="0" anchor="ctr"/>
+        <p:txBody>
+          <a:bodyPr>
+            <a:normAutofit fontScale="90000"/>
+          </a:bodyPr>
           <a:lstStyle/>
           <a:p>
-            <a:pPr algn="ctr"/>
-            <a:endParaRPr lang="en-IN"/>
-          </a:p>
-        </p:txBody>
-      </p:sp>
-      <p:sp>
-        <p:nvSpPr>
-          <p:cNvPr id="5" name="Rectangle 4">
+            <a:r>
+              <a:rPr lang="en-IN" dirty="0"/>
+              <a:t>Insights</a:t>
+            </a:r>
+          </a:p>
+        </p:txBody>
+      </p:sp>
+      <p:sp>
+        <p:nvSpPr>
+          <p:cNvPr id="3" name="Content Placeholder 2">
             <a:extLst>
               <a:ext uri="{FF2B5EF4-FFF2-40B4-BE49-F238E27FC236}">
-                <a16:creationId xmlns:a16="http://schemas.microsoft.com/office/drawing/2014/main" id="{93B966A7-45D6-489E-8436-E9D5EA85E05D}"/>
+                <a16:creationId xmlns:a16="http://schemas.microsoft.com/office/drawing/2014/main" id="{2A2474F9-0CFA-4CA4-943B-3E6BF0DE507C}"/>
               </a:ext>
             </a:extLst>
           </p:cNvPr>
-          <p:cNvSpPr/>
-          <p:nvPr/>
+          <p:cNvSpPr>
+            <a:spLocks noGrp="1"/>
+          </p:cNvSpPr>
+          <p:nvPr>
+            <p:ph idx="1"/>
+          </p:nvPr>
         </p:nvSpPr>
         <p:spPr>
           <a:xfrm>
-            <a:off x="0" y="629265"/>
-            <a:ext cx="12192000" cy="6228734"/>
+            <a:off x="958251" y="1661653"/>
+            <a:ext cx="9114504" cy="4778476"/>
           </a:xfrm>
-          <a:prstGeom prst="rect">
-            <a:avLst/>
-          </a:prstGeom>
-          <a:solidFill>
-            <a:schemeClr val="bg1">
-              <a:lumMod val="95000"/>
-            </a:schemeClr>
-          </a:solidFill>
-          <a:ln>
-            <a:solidFill>
-              <a:schemeClr val="bg1">
-                <a:lumMod val="95000"/>
-              </a:schemeClr>
-            </a:solidFill>
-          </a:ln>
         </p:spPr>
-        <p:style>
-          <a:lnRef idx="2">
-            <a:schemeClr val="accent1">
-              <a:shade val="50000"/>
-            </a:schemeClr>
-          </a:lnRef>
-          <a:fillRef idx="1">
-            <a:schemeClr val="accent1"/>
-          </a:fillRef>
-          <a:effectRef idx="0">
-            <a:schemeClr val="accent1"/>
-          </a:effectRef>
-          <a:fontRef idx="minor">
-            <a:schemeClr val="lt1"/>
-          </a:fontRef>
-        </p:style>
-        <p:txBody>
-          <a:bodyPr rtlCol="0" anchor="ctr"/>
+        <p:txBody>
+          <a:bodyPr>
+            <a:normAutofit/>
+          </a:bodyPr>
           <a:lstStyle/>
           <a:p>
-            <a:pPr algn="ctr"/>
-            <a:endParaRPr lang="en-IN"/>
+            <a:r>
+              <a:rPr lang="en-US" sz="2000" dirty="0">
+                <a:latin typeface="Times New Roman" panose="02020603050405020304" pitchFamily="18" charset="0"/>
+                <a:cs typeface="Times New Roman" panose="02020603050405020304" pitchFamily="18" charset="0"/>
+              </a:rPr>
+              <a:t>The terrorist highly preferer’s </a:t>
+            </a:r>
+            <a:r>
+              <a:rPr lang="en-US" sz="2000" dirty="0">
+                <a:solidFill>
+                  <a:srgbClr val="0070C0"/>
+                </a:solidFill>
+                <a:latin typeface="Times New Roman" panose="02020603050405020304" pitchFamily="18" charset="0"/>
+                <a:cs typeface="Times New Roman" panose="02020603050405020304" pitchFamily="18" charset="0"/>
+              </a:rPr>
+              <a:t>explosion and Armed assault </a:t>
+            </a:r>
+            <a:r>
+              <a:rPr lang="en-US" sz="2000" dirty="0">
+                <a:latin typeface="Times New Roman" panose="02020603050405020304" pitchFamily="18" charset="0"/>
+                <a:cs typeface="Times New Roman" panose="02020603050405020304" pitchFamily="18" charset="0"/>
+              </a:rPr>
+              <a:t>for attacking ,In the Iraq among the </a:t>
+            </a:r>
+            <a:r>
+              <a:rPr lang="en-US" sz="2000" dirty="0">
+                <a:solidFill>
+                  <a:srgbClr val="0070C0"/>
+                </a:solidFill>
+                <a:latin typeface="Times New Roman" panose="02020603050405020304" pitchFamily="18" charset="0"/>
+                <a:cs typeface="Times New Roman" panose="02020603050405020304" pitchFamily="18" charset="0"/>
+              </a:rPr>
+              <a:t>23K</a:t>
+            </a:r>
+            <a:r>
+              <a:rPr lang="en-US" sz="2000" dirty="0">
+                <a:latin typeface="Times New Roman" panose="02020603050405020304" pitchFamily="18" charset="0"/>
+                <a:cs typeface="Times New Roman" panose="02020603050405020304" pitchFamily="18" charset="0"/>
+              </a:rPr>
+              <a:t> attacks </a:t>
+            </a:r>
+            <a:r>
+              <a:rPr lang="en-US" sz="2000" dirty="0">
+                <a:solidFill>
+                  <a:srgbClr val="0070C0"/>
+                </a:solidFill>
+                <a:latin typeface="Times New Roman" panose="02020603050405020304" pitchFamily="18" charset="0"/>
+                <a:cs typeface="Times New Roman" panose="02020603050405020304" pitchFamily="18" charset="0"/>
+              </a:rPr>
+              <a:t>18K</a:t>
+            </a:r>
+            <a:r>
+              <a:rPr lang="en-US" sz="2000" dirty="0">
+                <a:latin typeface="Times New Roman" panose="02020603050405020304" pitchFamily="18" charset="0"/>
+                <a:cs typeface="Times New Roman" panose="02020603050405020304" pitchFamily="18" charset="0"/>
+              </a:rPr>
+              <a:t> was explosion attacks. Pakistan takes lead in Armed Assault(4K attacks).</a:t>
+            </a:r>
+          </a:p>
+          <a:p>
+            <a:r>
+              <a:rPr lang="en-US" sz="2000" dirty="0">
+                <a:latin typeface="Times New Roman" panose="02020603050405020304" pitchFamily="18" charset="0"/>
+                <a:cs typeface="Times New Roman" panose="02020603050405020304" pitchFamily="18" charset="0"/>
+              </a:rPr>
+              <a:t>Recently one of the developing gang in terrorism is </a:t>
+            </a:r>
+            <a:r>
+              <a:rPr lang="en-US" sz="2000" dirty="0">
+                <a:solidFill>
+                  <a:srgbClr val="0070C0"/>
+                </a:solidFill>
+                <a:latin typeface="Times New Roman" panose="02020603050405020304" pitchFamily="18" charset="0"/>
+                <a:cs typeface="Times New Roman" panose="02020603050405020304" pitchFamily="18" charset="0"/>
+              </a:rPr>
+              <a:t>Islamic State of Iraq and The Levant</a:t>
+            </a:r>
+            <a:r>
+              <a:rPr lang="en-US" sz="2000" dirty="0">
+                <a:solidFill>
+                  <a:schemeClr val="tx1"/>
+                </a:solidFill>
+                <a:latin typeface="Times New Roman" panose="02020603050405020304" pitchFamily="18" charset="0"/>
+                <a:cs typeface="Times New Roman" panose="02020603050405020304" pitchFamily="18" charset="0"/>
+              </a:rPr>
+              <a:t>(Iraq)</a:t>
+            </a:r>
+            <a:r>
+              <a:rPr lang="en-US" sz="2000" dirty="0">
+                <a:latin typeface="Times New Roman" panose="02020603050405020304" pitchFamily="18" charset="0"/>
+                <a:cs typeface="Times New Roman" panose="02020603050405020304" pitchFamily="18" charset="0"/>
+              </a:rPr>
+              <a:t>.</a:t>
+            </a:r>
+          </a:p>
+          <a:p>
+            <a:r>
+              <a:rPr lang="en-US" sz="2000" dirty="0">
+                <a:latin typeface="Times New Roman" panose="02020603050405020304" pitchFamily="18" charset="0"/>
+                <a:cs typeface="Times New Roman" panose="02020603050405020304" pitchFamily="18" charset="0"/>
+              </a:rPr>
+              <a:t>Attack</a:t>
+            </a:r>
+          </a:p>
+          <a:p>
+            <a:pPr marL="0" indent="0">
+              <a:buNone/>
+            </a:pPr>
+            <a:endParaRPr lang="en-US" sz="2000" dirty="0">
+              <a:latin typeface="Times New Roman" panose="02020603050405020304" pitchFamily="18" charset="0"/>
+              <a:cs typeface="Times New Roman" panose="02020603050405020304" pitchFamily="18" charset="0"/>
+            </a:endParaRPr>
+          </a:p>
+          <a:p>
+            <a:pPr marL="0" indent="0">
+              <a:buNone/>
+            </a:pPr>
+            <a:endParaRPr lang="en-US" sz="2000" dirty="0">
+              <a:latin typeface="Times New Roman" panose="02020603050405020304" pitchFamily="18" charset="0"/>
+              <a:cs typeface="Times New Roman" panose="02020603050405020304" pitchFamily="18" charset="0"/>
+            </a:endParaRPr>
           </a:p>
         </p:txBody>
       </p:sp>
     </p:spTree>
     <p:extLst>
       <p:ext uri="{BB962C8B-B14F-4D97-AF65-F5344CB8AC3E}">
-        <p14:creationId xmlns:p14="http://schemas.microsoft.com/office/powerpoint/2010/main" val="3284067250"/>
+        <p14:creationId xmlns:p14="http://schemas.microsoft.com/office/powerpoint/2010/main" val="1419796671"/>
       </p:ext>
     </p:extLst>
   </p:cSld>
   <p:clrMapOvr>
     <a:masterClrMapping/>
   </p:clrMapOvr>
+  <mc:AlternateContent xmlns:mc="http://schemas.openxmlformats.org/markup-compatibility/2006">
+    <mc:Choice xmlns:p159="http://schemas.microsoft.com/office/powerpoint/2015/09/main" Requires="p159">
+      <p:transition xmlns:p14="http://schemas.microsoft.com/office/powerpoint/2010/main" spd="slow" p14:dur="2000">
+        <p159:morph option="byObject"/>
+      </p:transition>
+    </mc:Choice>
+    <mc:Fallback>
+      <p:transition spd="slow">
+        <p:fade/>
+      </p:transition>
+    </mc:Fallback>
+  </mc:AlternateContent>
 </p:sld>
 </file>
 

--- a/ppt.pptx
+++ b/ppt.pptx
@@ -5,7 +5,7 @@
     <p:sldMasterId id="2147483744" r:id="rId1"/>
   </p:sldMasterIdLst>
   <p:notesMasterIdLst>
-    <p:notesMasterId r:id="rId14"/>
+    <p:notesMasterId r:id="rId13"/>
   </p:notesMasterIdLst>
   <p:sldIdLst>
     <p:sldId id="256" r:id="rId2"/>
@@ -19,7 +19,6 @@
     <p:sldId id="267" r:id="rId10"/>
     <p:sldId id="268" r:id="rId11"/>
     <p:sldId id="264" r:id="rId12"/>
-    <p:sldId id="265" r:id="rId13"/>
   </p:sldIdLst>
   <p:sldSz cx="12192000" cy="6858000"/>
   <p:notesSz cx="6858000" cy="9144000"/>
@@ -220,7 +219,7 @@
           <a:p>
             <a:fld id="{C4C5836C-2321-4C88-B91E-A457FB3FE8C4}" type="datetimeFigureOut">
               <a:rPr lang="en-IN" smtClean="0"/>
-              <a:t>15-03-2023</a:t>
+              <a:t>16-03-2023</a:t>
             </a:fld>
             <a:endParaRPr lang="en-IN"/>
           </a:p>
@@ -651,7 +650,7 @@
           <a:p>
             <a:fld id="{0DB41AEA-FD27-4C32-8C63-7E4C6DC1D784}" type="datetimeFigureOut">
               <a:rPr lang="en-IN" smtClean="0"/>
-              <a:t>15-03-2023</a:t>
+              <a:t>16-03-2023</a:t>
             </a:fld>
             <a:endParaRPr lang="en-IN"/>
           </a:p>
@@ -821,7 +820,7 @@
           <a:p>
             <a:fld id="{0DB41AEA-FD27-4C32-8C63-7E4C6DC1D784}" type="datetimeFigureOut">
               <a:rPr lang="en-IN" smtClean="0"/>
-              <a:t>15-03-2023</a:t>
+              <a:t>16-03-2023</a:t>
             </a:fld>
             <a:endParaRPr lang="en-IN"/>
           </a:p>
@@ -1001,7 +1000,7 @@
           <a:p>
             <a:fld id="{0DB41AEA-FD27-4C32-8C63-7E4C6DC1D784}" type="datetimeFigureOut">
               <a:rPr lang="en-IN" smtClean="0"/>
-              <a:t>15-03-2023</a:t>
+              <a:t>16-03-2023</a:t>
             </a:fld>
             <a:endParaRPr lang="en-IN"/>
           </a:p>
@@ -1171,7 +1170,7 @@
           <a:p>
             <a:fld id="{0DB41AEA-FD27-4C32-8C63-7E4C6DC1D784}" type="datetimeFigureOut">
               <a:rPr lang="en-IN" smtClean="0"/>
-              <a:t>15-03-2023</a:t>
+              <a:t>16-03-2023</a:t>
             </a:fld>
             <a:endParaRPr lang="en-IN"/>
           </a:p>
@@ -1439,7 +1438,7 @@
           <a:p>
             <a:fld id="{0DB41AEA-FD27-4C32-8C63-7E4C6DC1D784}" type="datetimeFigureOut">
               <a:rPr lang="en-IN" smtClean="0"/>
-              <a:t>15-03-2023</a:t>
+              <a:t>16-03-2023</a:t>
             </a:fld>
             <a:endParaRPr lang="en-IN"/>
           </a:p>
@@ -1671,7 +1670,7 @@
           <a:p>
             <a:fld id="{0DB41AEA-FD27-4C32-8C63-7E4C6DC1D784}" type="datetimeFigureOut">
               <a:rPr lang="en-IN" smtClean="0"/>
-              <a:t>15-03-2023</a:t>
+              <a:t>16-03-2023</a:t>
             </a:fld>
             <a:endParaRPr lang="en-IN"/>
           </a:p>
@@ -2030,7 +2029,7 @@
           <a:p>
             <a:fld id="{0DB41AEA-FD27-4C32-8C63-7E4C6DC1D784}" type="datetimeFigureOut">
               <a:rPr lang="en-IN" smtClean="0"/>
-              <a:t>15-03-2023</a:t>
+              <a:t>16-03-2023</a:t>
             </a:fld>
             <a:endParaRPr lang="en-IN"/>
           </a:p>
@@ -2171,7 +2170,7 @@
           <a:p>
             <a:fld id="{0DB41AEA-FD27-4C32-8C63-7E4C6DC1D784}" type="datetimeFigureOut">
               <a:rPr lang="en-IN" smtClean="0"/>
-              <a:t>15-03-2023</a:t>
+              <a:t>16-03-2023</a:t>
             </a:fld>
             <a:endParaRPr lang="en-IN"/>
           </a:p>
@@ -2266,7 +2265,7 @@
           <a:p>
             <a:fld id="{0DB41AEA-FD27-4C32-8C63-7E4C6DC1D784}" type="datetimeFigureOut">
               <a:rPr lang="en-IN" smtClean="0"/>
-              <a:t>15-03-2023</a:t>
+              <a:t>16-03-2023</a:t>
             </a:fld>
             <a:endParaRPr lang="en-IN"/>
           </a:p>
@@ -2623,7 +2622,7 @@
           <a:p>
             <a:fld id="{0DB41AEA-FD27-4C32-8C63-7E4C6DC1D784}" type="datetimeFigureOut">
               <a:rPr lang="en-IN" smtClean="0"/>
-              <a:t>15-03-2023</a:t>
+              <a:t>16-03-2023</a:t>
             </a:fld>
             <a:endParaRPr lang="en-IN"/>
           </a:p>
@@ -2980,7 +2979,7 @@
           <a:p>
             <a:fld id="{0DB41AEA-FD27-4C32-8C63-7E4C6DC1D784}" type="datetimeFigureOut">
               <a:rPr lang="en-IN" smtClean="0"/>
-              <a:t>15-03-2023</a:t>
+              <a:t>16-03-2023</a:t>
             </a:fld>
             <a:endParaRPr lang="en-IN"/>
           </a:p>
@@ -3222,7 +3221,7 @@
           <a:p>
             <a:fld id="{0DB41AEA-FD27-4C32-8C63-7E4C6DC1D784}" type="datetimeFigureOut">
               <a:rPr lang="en-IN" smtClean="0"/>
-              <a:t>15-03-2023</a:t>
+              <a:t>16-03-2023</a:t>
             </a:fld>
             <a:endParaRPr lang="en-IN"/>
           </a:p>
@@ -3699,6 +3698,14 @@
               <a:rPr lang="en-IN" dirty="0"/>
               <a:t>Global Terrorism Analysis</a:t>
             </a:r>
+            <a:br>
+              <a:rPr lang="en-IN" dirty="0"/>
+            </a:br>
+            <a:r>
+              <a:rPr lang="en-IN" sz="2400" dirty="0"/>
+              <a:t>Task-2</a:t>
+            </a:r>
+            <a:endParaRPr lang="en-IN" dirty="0"/>
           </a:p>
         </p:txBody>
       </p:sp>
@@ -3759,7 +3766,7 @@
         </p:blipFill>
         <p:spPr bwMode="auto">
           <a:xfrm>
-            <a:off x="417949" y="410079"/>
+            <a:off x="169374" y="596510"/>
             <a:ext cx="1971290" cy="1656785"/>
           </a:xfrm>
           <a:prstGeom prst="rect">
@@ -3791,8 +3798,8 @@
         </p:nvSpPr>
         <p:spPr>
           <a:xfrm>
-            <a:off x="9222659" y="5810865"/>
-            <a:ext cx="2094271" cy="646331"/>
+            <a:off x="8279944" y="5512539"/>
+            <a:ext cx="3234393" cy="1200329"/>
           </a:xfrm>
           <a:prstGeom prst="rect">
             <a:avLst/>
@@ -3814,6 +3821,12 @@
             <a:r>
               <a:rPr lang="en-IN" dirty="0"/>
               <a:t>Gokul Raja R</a:t>
+            </a:r>
+          </a:p>
+          <a:p>
+            <a:r>
+              <a:rPr lang="en-IN" dirty="0"/>
+              <a:t>Data Science and Business Analytics Intern</a:t>
             </a:r>
           </a:p>
         </p:txBody>
@@ -3937,7 +3950,7 @@
                 <a:latin typeface="Times New Roman" panose="02020603050405020304" pitchFamily="18" charset="0"/>
                 <a:cs typeface="Times New Roman" panose="02020603050405020304" pitchFamily="18" charset="0"/>
               </a:rPr>
-              <a:t>Addressing the root cause of terrorism (for e.g. Terrorist attack due poverty , Agriculture ) and government should take response and solve the problem.</a:t>
+              <a:t>Addressing the root cause of terrorism (for e.g. Terrorist attack due poverty , Agriculture ) and government should take response to solve the problem.</a:t>
             </a:r>
           </a:p>
           <a:p>
@@ -3946,7 +3959,16 @@
                 <a:latin typeface="Times New Roman" panose="02020603050405020304" pitchFamily="18" charset="0"/>
                 <a:cs typeface="Times New Roman" panose="02020603050405020304" pitchFamily="18" charset="0"/>
               </a:rPr>
-              <a:t>Satellite surveillance in the border. </a:t>
+              <a:t>Increasing the vehicle scanners in terrorism area’s.</a:t>
+            </a:r>
+          </a:p>
+          <a:p>
+            <a:r>
+              <a:rPr lang="en-US" sz="2000" dirty="0">
+                <a:latin typeface="Times New Roman" panose="02020603050405020304" pitchFamily="18" charset="0"/>
+                <a:cs typeface="Times New Roman" panose="02020603050405020304" pitchFamily="18" charset="0"/>
+              </a:rPr>
+              <a:t>Satellite surveillance in the border.</a:t>
             </a:r>
           </a:p>
           <a:p>
@@ -3976,13 +3998,13 @@
   <p:clrMapOvr>
     <a:masterClrMapping/>
   </p:clrMapOvr>
-  <mc:AlternateContent xmlns:mc="http://schemas.openxmlformats.org/markup-compatibility/2006">
-    <mc:Choice xmlns:p159="http://schemas.microsoft.com/office/powerpoint/2015/09/main" Requires="p159">
+  <mc:AlternateContent xmlns:mc="http://schemas.openxmlformats.org/markup-compatibility/2006" xmlns:p159="http://schemas.microsoft.com/office/powerpoint/2015/09/main">
+    <mc:Choice Requires="p159">
       <p:transition xmlns:p14="http://schemas.microsoft.com/office/powerpoint/2010/main" spd="slow" p14:dur="2000">
         <p159:morph option="byObject"/>
       </p:transition>
     </mc:Choice>
-    <mc:Fallback>
+    <mc:Fallback xmlns="">
       <p:transition spd="slow">
         <p:fade/>
       </p:transition>
@@ -4045,148 +4067,6 @@
     <p:extLst>
       <p:ext uri="{BB962C8B-B14F-4D97-AF65-F5344CB8AC3E}">
         <p14:creationId xmlns:p14="http://schemas.microsoft.com/office/powerpoint/2010/main" val="2443240942"/>
-      </p:ext>
-    </p:extLst>
-  </p:cSld>
-  <p:clrMapOvr>
-    <a:masterClrMapping/>
-  </p:clrMapOvr>
-</p:sld>
-</file>
-
-<file path=ppt/slides/slide12.xml><?xml version="1.0" encoding="utf-8"?>
-<p:sld xmlns:a="http://schemas.openxmlformats.org/drawingml/2006/main" xmlns:r="http://schemas.openxmlformats.org/officeDocument/2006/relationships" xmlns:p="http://schemas.openxmlformats.org/presentationml/2006/main">
-  <p:cSld>
-    <p:spTree>
-      <p:nvGrpSpPr>
-        <p:cNvPr id="1" name=""/>
-        <p:cNvGrpSpPr/>
-        <p:nvPr/>
-      </p:nvGrpSpPr>
-      <p:grpSpPr>
-        <a:xfrm>
-          <a:off x="0" y="0"/>
-          <a:ext cx="0" cy="0"/>
-          <a:chOff x="0" y="0"/>
-          <a:chExt cx="0" cy="0"/>
-        </a:xfrm>
-      </p:grpSpPr>
-      <p:sp>
-        <p:nvSpPr>
-          <p:cNvPr id="4" name="Rectangle 3">
-            <a:extLst>
-              <a:ext uri="{FF2B5EF4-FFF2-40B4-BE49-F238E27FC236}">
-                <a16:creationId xmlns:a16="http://schemas.microsoft.com/office/drawing/2014/main" id="{17E439DA-79EB-475E-B9E3-7ABF369AC8D8}"/>
-              </a:ext>
-            </a:extLst>
-          </p:cNvPr>
-          <p:cNvSpPr/>
-          <p:nvPr/>
-        </p:nvSpPr>
-        <p:spPr>
-          <a:xfrm>
-            <a:off x="0" y="0"/>
-            <a:ext cx="12192000" cy="629265"/>
-          </a:xfrm>
-          <a:prstGeom prst="rect">
-            <a:avLst/>
-          </a:prstGeom>
-          <a:solidFill>
-            <a:schemeClr val="bg1"/>
-          </a:solidFill>
-          <a:ln>
-            <a:solidFill>
-              <a:schemeClr val="bg1"/>
-            </a:solidFill>
-          </a:ln>
-        </p:spPr>
-        <p:style>
-          <a:lnRef idx="2">
-            <a:schemeClr val="accent1">
-              <a:shade val="50000"/>
-            </a:schemeClr>
-          </a:lnRef>
-          <a:fillRef idx="1">
-            <a:schemeClr val="accent1"/>
-          </a:fillRef>
-          <a:effectRef idx="0">
-            <a:schemeClr val="accent1"/>
-          </a:effectRef>
-          <a:fontRef idx="minor">
-            <a:schemeClr val="lt1"/>
-          </a:fontRef>
-        </p:style>
-        <p:txBody>
-          <a:bodyPr rtlCol="0" anchor="ctr"/>
-          <a:lstStyle/>
-          <a:p>
-            <a:pPr algn="ctr"/>
-            <a:endParaRPr lang="en-IN"/>
-          </a:p>
-        </p:txBody>
-      </p:sp>
-      <p:sp>
-        <p:nvSpPr>
-          <p:cNvPr id="5" name="Rectangle 4">
-            <a:extLst>
-              <a:ext uri="{FF2B5EF4-FFF2-40B4-BE49-F238E27FC236}">
-                <a16:creationId xmlns:a16="http://schemas.microsoft.com/office/drawing/2014/main" id="{93B966A7-45D6-489E-8436-E9D5EA85E05D}"/>
-              </a:ext>
-            </a:extLst>
-          </p:cNvPr>
-          <p:cNvSpPr/>
-          <p:nvPr/>
-        </p:nvSpPr>
-        <p:spPr>
-          <a:xfrm>
-            <a:off x="0" y="629265"/>
-            <a:ext cx="12192000" cy="6228734"/>
-          </a:xfrm>
-          <a:prstGeom prst="rect">
-            <a:avLst/>
-          </a:prstGeom>
-          <a:solidFill>
-            <a:schemeClr val="bg1">
-              <a:lumMod val="95000"/>
-            </a:schemeClr>
-          </a:solidFill>
-          <a:ln>
-            <a:solidFill>
-              <a:schemeClr val="bg1">
-                <a:lumMod val="95000"/>
-              </a:schemeClr>
-            </a:solidFill>
-          </a:ln>
-        </p:spPr>
-        <p:style>
-          <a:lnRef idx="2">
-            <a:schemeClr val="accent1">
-              <a:shade val="50000"/>
-            </a:schemeClr>
-          </a:lnRef>
-          <a:fillRef idx="1">
-            <a:schemeClr val="accent1"/>
-          </a:fillRef>
-          <a:effectRef idx="0">
-            <a:schemeClr val="accent1"/>
-          </a:effectRef>
-          <a:fontRef idx="minor">
-            <a:schemeClr val="lt1"/>
-          </a:fontRef>
-        </p:style>
-        <p:txBody>
-          <a:bodyPr rtlCol="0" anchor="ctr"/>
-          <a:lstStyle/>
-          <a:p>
-            <a:pPr algn="ctr"/>
-            <a:endParaRPr lang="en-IN"/>
-          </a:p>
-        </p:txBody>
-      </p:sp>
-    </p:spTree>
-    <p:extLst>
-      <p:ext uri="{BB962C8B-B14F-4D97-AF65-F5344CB8AC3E}">
-        <p14:creationId xmlns:p14="http://schemas.microsoft.com/office/powerpoint/2010/main" val="3284067250"/>
       </p:ext>
     </p:extLst>
   </p:cSld>
@@ -4231,7 +4111,7 @@
         </p:nvSpPr>
         <p:spPr>
           <a:xfrm>
-            <a:off x="1887006" y="679558"/>
+            <a:off x="1887006" y="928133"/>
             <a:ext cx="7256994" cy="539643"/>
           </a:xfrm>
         </p:spPr>
@@ -4590,7 +4470,7 @@
         </p:nvSpPr>
         <p:spPr>
           <a:xfrm>
-            <a:off x="781269" y="1140543"/>
+            <a:off x="656982" y="1211564"/>
             <a:ext cx="9916227" cy="5525727"/>
           </a:xfrm>
         </p:spPr>
@@ -4604,14 +4484,14 @@
               <a:buNone/>
             </a:pPr>
             <a:r>
-              <a:rPr lang="en-US" b="1" dirty="0">
+              <a:rPr lang="en-US" sz="1600" b="1" dirty="0">
                 <a:latin typeface="Times New Roman" panose="02020603050405020304" pitchFamily="18" charset="0"/>
                 <a:cs typeface="Times New Roman" panose="02020603050405020304" pitchFamily="18" charset="0"/>
               </a:rPr>
               <a:t>Event ID</a:t>
             </a:r>
             <a:r>
-              <a:rPr lang="en-US" dirty="0">
+              <a:rPr lang="en-US" sz="1600" dirty="0">
                 <a:latin typeface="Times New Roman" panose="02020603050405020304" pitchFamily="18" charset="0"/>
                 <a:cs typeface="Times New Roman" panose="02020603050405020304" pitchFamily="18" charset="0"/>
               </a:rPr>
@@ -4623,14 +4503,14 @@
               <a:buNone/>
             </a:pPr>
             <a:r>
-              <a:rPr lang="en-US" b="1" dirty="0">
+              <a:rPr lang="en-US" sz="1600" b="1" dirty="0">
                 <a:latin typeface="Times New Roman" panose="02020603050405020304" pitchFamily="18" charset="0"/>
                 <a:cs typeface="Times New Roman" panose="02020603050405020304" pitchFamily="18" charset="0"/>
               </a:rPr>
               <a:t>Year</a:t>
             </a:r>
             <a:r>
-              <a:rPr lang="en-US" dirty="0">
+              <a:rPr lang="en-US" sz="1600" dirty="0">
                 <a:latin typeface="Times New Roman" panose="02020603050405020304" pitchFamily="18" charset="0"/>
                 <a:cs typeface="Times New Roman" panose="02020603050405020304" pitchFamily="18" charset="0"/>
               </a:rPr>
@@ -4642,14 +4522,14 @@
               <a:buNone/>
             </a:pPr>
             <a:r>
-              <a:rPr lang="en-US" b="1" dirty="0">
+              <a:rPr lang="en-US" sz="1600" b="1" dirty="0">
                 <a:latin typeface="Times New Roman" panose="02020603050405020304" pitchFamily="18" charset="0"/>
                 <a:cs typeface="Times New Roman" panose="02020603050405020304" pitchFamily="18" charset="0"/>
               </a:rPr>
               <a:t>Month</a:t>
             </a:r>
             <a:r>
-              <a:rPr lang="en-US" dirty="0">
+              <a:rPr lang="en-US" sz="1600" dirty="0">
                 <a:latin typeface="Times New Roman" panose="02020603050405020304" pitchFamily="18" charset="0"/>
                 <a:cs typeface="Times New Roman" panose="02020603050405020304" pitchFamily="18" charset="0"/>
               </a:rPr>
@@ -4661,14 +4541,14 @@
               <a:buNone/>
             </a:pPr>
             <a:r>
-              <a:rPr lang="en-US" b="1" dirty="0">
+              <a:rPr lang="en-US" sz="1600" b="1" dirty="0">
                 <a:latin typeface="Times New Roman" panose="02020603050405020304" pitchFamily="18" charset="0"/>
                 <a:cs typeface="Times New Roman" panose="02020603050405020304" pitchFamily="18" charset="0"/>
               </a:rPr>
               <a:t>Day</a:t>
             </a:r>
             <a:r>
-              <a:rPr lang="en-US" dirty="0">
+              <a:rPr lang="en-US" sz="1600" dirty="0">
                 <a:latin typeface="Times New Roman" panose="02020603050405020304" pitchFamily="18" charset="0"/>
                 <a:cs typeface="Times New Roman" panose="02020603050405020304" pitchFamily="18" charset="0"/>
               </a:rPr>
@@ -4680,14 +4560,14 @@
               <a:buNone/>
             </a:pPr>
             <a:r>
-              <a:rPr lang="en-US" b="1" dirty="0">
+              <a:rPr lang="en-US" sz="1600" b="1" dirty="0">
                 <a:latin typeface="Times New Roman" panose="02020603050405020304" pitchFamily="18" charset="0"/>
                 <a:cs typeface="Times New Roman" panose="02020603050405020304" pitchFamily="18" charset="0"/>
               </a:rPr>
               <a:t>Country</a:t>
             </a:r>
             <a:r>
-              <a:rPr lang="en-US" dirty="0">
+              <a:rPr lang="en-US" sz="1600" dirty="0">
                 <a:latin typeface="Times New Roman" panose="02020603050405020304" pitchFamily="18" charset="0"/>
                 <a:cs typeface="Times New Roman" panose="02020603050405020304" pitchFamily="18" charset="0"/>
               </a:rPr>
@@ -4699,14 +4579,14 @@
               <a:buNone/>
             </a:pPr>
             <a:r>
-              <a:rPr lang="en-US" b="1" dirty="0">
+              <a:rPr lang="en-US" sz="1600" b="1" dirty="0">
                 <a:latin typeface="Times New Roman" panose="02020603050405020304" pitchFamily="18" charset="0"/>
                 <a:cs typeface="Times New Roman" panose="02020603050405020304" pitchFamily="18" charset="0"/>
               </a:rPr>
               <a:t>Region</a:t>
             </a:r>
             <a:r>
-              <a:rPr lang="en-US" dirty="0">
+              <a:rPr lang="en-US" sz="1600" dirty="0">
                 <a:latin typeface="Times New Roman" panose="02020603050405020304" pitchFamily="18" charset="0"/>
                 <a:cs typeface="Times New Roman" panose="02020603050405020304" pitchFamily="18" charset="0"/>
               </a:rPr>
@@ -4718,14 +4598,14 @@
               <a:buNone/>
             </a:pPr>
             <a:r>
-              <a:rPr lang="en-US" b="1" dirty="0">
+              <a:rPr lang="en-US" sz="1600" b="1" dirty="0">
                 <a:latin typeface="Times New Roman" panose="02020603050405020304" pitchFamily="18" charset="0"/>
                 <a:cs typeface="Times New Roman" panose="02020603050405020304" pitchFamily="18" charset="0"/>
               </a:rPr>
               <a:t>City</a:t>
             </a:r>
             <a:r>
-              <a:rPr lang="en-US" dirty="0">
+              <a:rPr lang="en-US" sz="1600" dirty="0">
                 <a:latin typeface="Times New Roman" panose="02020603050405020304" pitchFamily="18" charset="0"/>
                 <a:cs typeface="Times New Roman" panose="02020603050405020304" pitchFamily="18" charset="0"/>
               </a:rPr>
@@ -4737,14 +4617,14 @@
               <a:buNone/>
             </a:pPr>
             <a:r>
-              <a:rPr lang="en-US" b="1" dirty="0">
+              <a:rPr lang="en-US" sz="1600" b="1" dirty="0">
                 <a:latin typeface="Times New Roman" panose="02020603050405020304" pitchFamily="18" charset="0"/>
                 <a:cs typeface="Times New Roman" panose="02020603050405020304" pitchFamily="18" charset="0"/>
               </a:rPr>
               <a:t>Latitude</a:t>
             </a:r>
             <a:r>
-              <a:rPr lang="en-US" dirty="0">
+              <a:rPr lang="en-US" sz="1600" dirty="0">
                 <a:latin typeface="Times New Roman" panose="02020603050405020304" pitchFamily="18" charset="0"/>
                 <a:cs typeface="Times New Roman" panose="02020603050405020304" pitchFamily="18" charset="0"/>
               </a:rPr>
@@ -4756,14 +4636,14 @@
               <a:buNone/>
             </a:pPr>
             <a:r>
-              <a:rPr lang="en-US" b="1" dirty="0">
+              <a:rPr lang="en-US" sz="1600" b="1" dirty="0">
                 <a:latin typeface="Times New Roman" panose="02020603050405020304" pitchFamily="18" charset="0"/>
                 <a:cs typeface="Times New Roman" panose="02020603050405020304" pitchFamily="18" charset="0"/>
               </a:rPr>
               <a:t>Longitude</a:t>
             </a:r>
             <a:r>
-              <a:rPr lang="en-US" dirty="0">
+              <a:rPr lang="en-US" sz="1600" dirty="0">
                 <a:latin typeface="Times New Roman" panose="02020603050405020304" pitchFamily="18" charset="0"/>
                 <a:cs typeface="Times New Roman" panose="02020603050405020304" pitchFamily="18" charset="0"/>
               </a:rPr>
@@ -4775,14 +4655,14 @@
               <a:buNone/>
             </a:pPr>
             <a:r>
-              <a:rPr lang="en-US" b="1" dirty="0">
+              <a:rPr lang="en-US" sz="1600" b="1" dirty="0">
                 <a:latin typeface="Times New Roman" panose="02020603050405020304" pitchFamily="18" charset="0"/>
                 <a:cs typeface="Times New Roman" panose="02020603050405020304" pitchFamily="18" charset="0"/>
               </a:rPr>
               <a:t>Attack Type</a:t>
             </a:r>
             <a:r>
-              <a:rPr lang="en-US" dirty="0">
+              <a:rPr lang="en-US" sz="1600" dirty="0">
                 <a:latin typeface="Times New Roman" panose="02020603050405020304" pitchFamily="18" charset="0"/>
                 <a:cs typeface="Times New Roman" panose="02020603050405020304" pitchFamily="18" charset="0"/>
               </a:rPr>
@@ -4794,14 +4674,14 @@
               <a:buNone/>
             </a:pPr>
             <a:r>
-              <a:rPr lang="en-US" b="1" dirty="0">
+              <a:rPr lang="en-US" sz="1600" b="1" dirty="0">
                 <a:latin typeface="Times New Roman" panose="02020603050405020304" pitchFamily="18" charset="0"/>
                 <a:cs typeface="Times New Roman" panose="02020603050405020304" pitchFamily="18" charset="0"/>
               </a:rPr>
               <a:t>Target Type</a:t>
             </a:r>
             <a:r>
-              <a:rPr lang="en-US" dirty="0">
+              <a:rPr lang="en-US" sz="1600" dirty="0">
                 <a:latin typeface="Times New Roman" panose="02020603050405020304" pitchFamily="18" charset="0"/>
                 <a:cs typeface="Times New Roman" panose="02020603050405020304" pitchFamily="18" charset="0"/>
               </a:rPr>
@@ -4813,14 +4693,14 @@
               <a:buNone/>
             </a:pPr>
             <a:r>
-              <a:rPr lang="en-US" b="1" dirty="0">
+              <a:rPr lang="en-US" sz="1600" b="1" dirty="0">
                 <a:latin typeface="Times New Roman" panose="02020603050405020304" pitchFamily="18" charset="0"/>
                 <a:cs typeface="Times New Roman" panose="02020603050405020304" pitchFamily="18" charset="0"/>
               </a:rPr>
               <a:t>Gang Name</a:t>
             </a:r>
             <a:r>
-              <a:rPr lang="en-US" dirty="0">
+              <a:rPr lang="en-US" sz="1600" dirty="0">
                 <a:latin typeface="Times New Roman" panose="02020603050405020304" pitchFamily="18" charset="0"/>
                 <a:cs typeface="Times New Roman" panose="02020603050405020304" pitchFamily="18" charset="0"/>
               </a:rPr>
@@ -4832,14 +4712,14 @@
               <a:buNone/>
             </a:pPr>
             <a:r>
-              <a:rPr lang="en-US" b="1" dirty="0">
+              <a:rPr lang="en-US" sz="1600" b="1" dirty="0">
                 <a:latin typeface="Times New Roman" panose="02020603050405020304" pitchFamily="18" charset="0"/>
                 <a:cs typeface="Times New Roman" panose="02020603050405020304" pitchFamily="18" charset="0"/>
               </a:rPr>
               <a:t>Motive</a:t>
             </a:r>
             <a:r>
-              <a:rPr lang="en-US" dirty="0">
+              <a:rPr lang="en-US" sz="1600" dirty="0">
                 <a:latin typeface="Times New Roman" panose="02020603050405020304" pitchFamily="18" charset="0"/>
                 <a:cs typeface="Times New Roman" panose="02020603050405020304" pitchFamily="18" charset="0"/>
               </a:rPr>
@@ -4943,7 +4823,7 @@
         </p:nvSpPr>
         <p:spPr>
           <a:xfrm>
-            <a:off x="781269" y="1140543"/>
+            <a:off x="630349" y="1140543"/>
             <a:ext cx="9916227" cy="5525727"/>
           </a:xfrm>
         </p:spPr>
@@ -6406,7 +6286,7 @@
         </p:nvSpPr>
         <p:spPr>
           <a:xfrm>
-            <a:off x="1887006" y="679558"/>
+            <a:off x="1887006" y="571403"/>
             <a:ext cx="7256994" cy="539643"/>
           </a:xfrm>
         </p:spPr>
@@ -6418,7 +6298,7 @@
           <a:p>
             <a:r>
               <a:rPr lang="en-IN" dirty="0"/>
-              <a:t>Insights</a:t>
+              <a:t>Pattern and insights</a:t>
             </a:r>
           </a:p>
         </p:txBody>
@@ -6441,13 +6321,13 @@
         </p:nvSpPr>
         <p:spPr>
           <a:xfrm>
-            <a:off x="958251" y="1504335"/>
-            <a:ext cx="9601594" cy="4935794"/>
+            <a:off x="958251" y="1350803"/>
+            <a:ext cx="9601594" cy="5226978"/>
           </a:xfrm>
         </p:spPr>
         <p:txBody>
           <a:bodyPr>
-            <a:normAutofit lnSpcReduction="10000"/>
+            <a:normAutofit fontScale="92500"/>
           </a:bodyPr>
           <a:lstStyle/>
           <a:p>
@@ -6466,7 +6346,7 @@
                 <a:latin typeface="Times New Roman" panose="02020603050405020304" pitchFamily="18" charset="0"/>
                 <a:cs typeface="Times New Roman" panose="02020603050405020304" pitchFamily="18" charset="0"/>
               </a:rPr>
-              <a:t>Middle East &amp; North Africa, South Asia, Sub-Saharan Africa </a:t>
+              <a:t>Middle East &amp; North Africa, South Asia, Sub-Saharan Africa,  </a:t>
             </a:r>
             <a:r>
               <a:rPr lang="en-US" sz="2000" dirty="0">
@@ -6476,7 +6356,7 @@
                 <a:latin typeface="Times New Roman" panose="02020603050405020304" pitchFamily="18" charset="0"/>
                 <a:cs typeface="Times New Roman" panose="02020603050405020304" pitchFamily="18" charset="0"/>
               </a:rPr>
-              <a:t>3.1 lakhs people in this region, the total people killed all among the region was 4.08 lakhs only. H</a:t>
+              <a:t>in this 3 region only 3.1 lakhs people were killed, the total people killed all among the region was 4.12 lakhs only. H</a:t>
             </a:r>
             <a:r>
               <a:rPr lang="en-US" sz="2000" dirty="0">
@@ -6489,149 +6369,242 @@
           <a:p>
             <a:r>
               <a:rPr lang="en-US" sz="2000" dirty="0">
-                <a:latin typeface="Times New Roman" panose="02020603050405020304" pitchFamily="18" charset="0"/>
-                <a:cs typeface="Times New Roman" panose="02020603050405020304" pitchFamily="18" charset="0"/>
-              </a:rPr>
-              <a:t>The Main gangs that are </a:t>
+                <a:solidFill>
+                  <a:srgbClr val="0070C0"/>
+                </a:solidFill>
+                <a:latin typeface="Times New Roman" panose="02020603050405020304" pitchFamily="18" charset="0"/>
+                <a:cs typeface="Times New Roman" panose="02020603050405020304" pitchFamily="18" charset="0"/>
+              </a:rPr>
+              <a:t>Taliban, Islamic State of Iraq And The Levant, Shining Path</a:t>
+            </a:r>
+            <a:r>
+              <a:rPr lang="en-US" sz="2000" b="1" dirty="0">
+                <a:solidFill>
+                  <a:srgbClr val="FF0000"/>
+                </a:solidFill>
+                <a:latin typeface="Times New Roman" panose="02020603050405020304" pitchFamily="18" charset="0"/>
+                <a:cs typeface="Times New Roman" panose="02020603050405020304" pitchFamily="18" charset="0"/>
+              </a:rPr>
+              <a:t> </a:t>
             </a:r>
             <a:r>
               <a:rPr lang="en-US" sz="2000" dirty="0">
+                <a:latin typeface="Times New Roman" panose="02020603050405020304" pitchFamily="18" charset="0"/>
+                <a:cs typeface="Times New Roman" panose="02020603050405020304" pitchFamily="18" charset="0"/>
+              </a:rPr>
+              <a:t>these are the main gang conduct large attack. These gangs conduct high number attacks mainly after 2000.</a:t>
+            </a:r>
+          </a:p>
+          <a:p>
+            <a:r>
+              <a:rPr lang="en-US" sz="2000" dirty="0">
                 <a:solidFill>
                   <a:srgbClr val="0070C0"/>
                 </a:solidFill>
                 <a:latin typeface="Times New Roman" panose="02020603050405020304" pitchFamily="18" charset="0"/>
                 <a:cs typeface="Times New Roman" panose="02020603050405020304" pitchFamily="18" charset="0"/>
               </a:rPr>
-              <a:t>Taliban, Islamic State Of Iraq And The Levant, Shining Path</a:t>
+              <a:t>Baghdad </a:t>
+            </a:r>
+            <a:r>
+              <a:rPr lang="en-US" sz="2000" dirty="0">
+                <a:latin typeface="Times New Roman" panose="02020603050405020304" pitchFamily="18" charset="0"/>
+                <a:cs typeface="Times New Roman" panose="02020603050405020304" pitchFamily="18" charset="0"/>
+              </a:rPr>
+              <a:t>and </a:t>
+            </a:r>
+            <a:r>
+              <a:rPr lang="en-US" sz="2000" dirty="0">
+                <a:solidFill>
+                  <a:srgbClr val="0070C0"/>
+                </a:solidFill>
+                <a:latin typeface="Times New Roman" panose="02020603050405020304" pitchFamily="18" charset="0"/>
+                <a:cs typeface="Times New Roman" panose="02020603050405020304" pitchFamily="18" charset="0"/>
+              </a:rPr>
+              <a:t>Karachi</a:t>
+            </a:r>
+            <a:r>
+              <a:rPr lang="en-US" sz="2000" dirty="0">
+                <a:latin typeface="Times New Roman" panose="02020603050405020304" pitchFamily="18" charset="0"/>
+                <a:cs typeface="Times New Roman" panose="02020603050405020304" pitchFamily="18" charset="0"/>
+              </a:rPr>
+              <a:t> is top cities well known for Terrorism.</a:t>
+            </a:r>
+          </a:p>
+          <a:p>
+            <a:r>
+              <a:rPr lang="en-US" sz="2000" dirty="0">
+                <a:solidFill>
+                  <a:srgbClr val="0070C0"/>
+                </a:solidFill>
+                <a:latin typeface="Times New Roman" panose="02020603050405020304" pitchFamily="18" charset="0"/>
+                <a:cs typeface="Times New Roman" panose="02020603050405020304" pitchFamily="18" charset="0"/>
+              </a:rPr>
+              <a:t>Iraq, Pakistan, India, Afghanistan</a:t>
+            </a:r>
+            <a:r>
+              <a:rPr lang="en-US" sz="2000" dirty="0">
+                <a:latin typeface="Times New Roman" panose="02020603050405020304" pitchFamily="18" charset="0"/>
+                <a:cs typeface="Times New Roman" panose="02020603050405020304" pitchFamily="18" charset="0"/>
+              </a:rPr>
+              <a:t> this are the top country’s in terrorism.</a:t>
+            </a:r>
+          </a:p>
+          <a:p>
+            <a:r>
+              <a:rPr lang="en-US" sz="2000" dirty="0">
+                <a:latin typeface="Times New Roman" panose="02020603050405020304" pitchFamily="18" charset="0"/>
+                <a:cs typeface="Times New Roman" panose="02020603050405020304" pitchFamily="18" charset="0"/>
+              </a:rPr>
+              <a:t>After </a:t>
             </a:r>
             <a:r>
               <a:rPr lang="en-US" sz="2000" b="1" dirty="0">
                 <a:solidFill>
+                  <a:srgbClr val="0070C0"/>
+                </a:solidFill>
+                <a:latin typeface="Times New Roman" panose="02020603050405020304" pitchFamily="18" charset="0"/>
+                <a:cs typeface="Times New Roman" panose="02020603050405020304" pitchFamily="18" charset="0"/>
+              </a:rPr>
+              <a:t>2004</a:t>
+            </a:r>
+            <a:r>
+              <a:rPr lang="en-US" sz="2000" dirty="0">
+                <a:latin typeface="Times New Roman" panose="02020603050405020304" pitchFamily="18" charset="0"/>
+                <a:cs typeface="Times New Roman" panose="02020603050405020304" pitchFamily="18" charset="0"/>
+              </a:rPr>
+              <a:t> the number of terrorist attack get double every year , in the year </a:t>
+            </a:r>
+            <a:r>
+              <a:rPr lang="en-US" sz="2000" b="1" dirty="0">
+                <a:solidFill>
+                  <a:srgbClr val="0070C0"/>
+                </a:solidFill>
+                <a:latin typeface="Times New Roman" panose="02020603050405020304" pitchFamily="18" charset="0"/>
+                <a:cs typeface="Times New Roman" panose="02020603050405020304" pitchFamily="18" charset="0"/>
+              </a:rPr>
+              <a:t>2015,</a:t>
+            </a:r>
+            <a:r>
+              <a:rPr lang="en-US" sz="2000" b="1" dirty="0">
+                <a:latin typeface="Times New Roman" panose="02020603050405020304" pitchFamily="18" charset="0"/>
+                <a:cs typeface="Times New Roman" panose="02020603050405020304" pitchFamily="18" charset="0"/>
+              </a:rPr>
+              <a:t> </a:t>
+            </a:r>
+            <a:r>
+              <a:rPr lang="en-US" sz="2000" dirty="0">
+                <a:latin typeface="Times New Roman" panose="02020603050405020304" pitchFamily="18" charset="0"/>
+                <a:cs typeface="Times New Roman" panose="02020603050405020304" pitchFamily="18" charset="0"/>
+              </a:rPr>
+              <a:t> </a:t>
+            </a:r>
+            <a:r>
+              <a:rPr lang="en-US" sz="2000" b="1" dirty="0">
+                <a:solidFill>
+                  <a:srgbClr val="0070C0"/>
+                </a:solidFill>
+                <a:latin typeface="Times New Roman" panose="02020603050405020304" pitchFamily="18" charset="0"/>
+                <a:cs typeface="Times New Roman" panose="02020603050405020304" pitchFamily="18" charset="0"/>
+              </a:rPr>
+              <a:t>15975</a:t>
+            </a:r>
+            <a:r>
+              <a:rPr lang="en-US" sz="2000" dirty="0">
+                <a:latin typeface="Times New Roman" panose="02020603050405020304" pitchFamily="18" charset="0"/>
+                <a:cs typeface="Times New Roman" panose="02020603050405020304" pitchFamily="18" charset="0"/>
+              </a:rPr>
+              <a:t> attack has been recorder.</a:t>
+            </a:r>
+          </a:p>
+          <a:p>
+            <a:r>
+              <a:rPr lang="en-US" sz="2000" dirty="0">
+                <a:latin typeface="Times New Roman" panose="02020603050405020304" pitchFamily="18" charset="0"/>
+                <a:cs typeface="Times New Roman" panose="02020603050405020304" pitchFamily="18" charset="0"/>
+              </a:rPr>
+              <a:t>The total attack was in history </a:t>
+            </a:r>
+            <a:r>
+              <a:rPr lang="en-US" sz="2000" dirty="0">
+                <a:solidFill>
+                  <a:srgbClr val="0070C0"/>
+                </a:solidFill>
+                <a:latin typeface="Times New Roman" panose="02020603050405020304" pitchFamily="18" charset="0"/>
+                <a:cs typeface="Times New Roman" panose="02020603050405020304" pitchFamily="18" charset="0"/>
+              </a:rPr>
+              <a:t>1.8 lakhs</a:t>
+            </a:r>
+            <a:r>
+              <a:rPr lang="en-US" sz="2000" dirty="0">
+                <a:latin typeface="Times New Roman" panose="02020603050405020304" pitchFamily="18" charset="0"/>
+                <a:cs typeface="Times New Roman" panose="02020603050405020304" pitchFamily="18" charset="0"/>
+              </a:rPr>
+              <a:t>, after 2000 the attacks was </a:t>
+            </a:r>
+            <a:r>
+              <a:rPr lang="en-US" sz="2000" dirty="0">
+                <a:solidFill>
+                  <a:srgbClr val="0070C0"/>
+                </a:solidFill>
+                <a:latin typeface="Times New Roman" panose="02020603050405020304" pitchFamily="18" charset="0"/>
+                <a:cs typeface="Times New Roman" panose="02020603050405020304" pitchFamily="18" charset="0"/>
+              </a:rPr>
+              <a:t>1 lakhs</a:t>
+            </a:r>
+            <a:r>
+              <a:rPr lang="en-US" sz="2000" dirty="0">
+                <a:latin typeface="Times New Roman" panose="02020603050405020304" pitchFamily="18" charset="0"/>
+                <a:cs typeface="Times New Roman" panose="02020603050405020304" pitchFamily="18" charset="0"/>
+              </a:rPr>
+              <a:t> attack recorded.</a:t>
+            </a:r>
+          </a:p>
+          <a:p>
+            <a:r>
+              <a:rPr lang="en-US" sz="2000" dirty="0">
+                <a:latin typeface="Times New Roman" panose="02020603050405020304" pitchFamily="18" charset="0"/>
+                <a:cs typeface="Times New Roman" panose="02020603050405020304" pitchFamily="18" charset="0"/>
+              </a:rPr>
+              <a:t>Terrorism are increasing year by year after 2000.</a:t>
+            </a:r>
+          </a:p>
+          <a:p>
+            <a:r>
+              <a:rPr lang="en-US" sz="2000" dirty="0">
+                <a:latin typeface="Times New Roman" panose="02020603050405020304" pitchFamily="18" charset="0"/>
+                <a:cs typeface="Times New Roman" panose="02020603050405020304" pitchFamily="18" charset="0"/>
+              </a:rPr>
+              <a:t>The Ransom cases are highly seen in </a:t>
+            </a:r>
+            <a:r>
+              <a:rPr lang="en-US" sz="2000" dirty="0">
+                <a:solidFill>
+                  <a:srgbClr val="0070C0"/>
+                </a:solidFill>
+                <a:latin typeface="Times New Roman" panose="02020603050405020304" pitchFamily="18" charset="0"/>
+                <a:cs typeface="Times New Roman" panose="02020603050405020304" pitchFamily="18" charset="0"/>
+              </a:rPr>
+              <a:t>South Asia, South America, Sub-Sharan Africa.</a:t>
+            </a:r>
+          </a:p>
+          <a:p>
+            <a:r>
+              <a:rPr lang="en-US" sz="2000" dirty="0">
+                <a:latin typeface="Times New Roman" panose="02020603050405020304" pitchFamily="18" charset="0"/>
+                <a:cs typeface="Times New Roman" panose="02020603050405020304" pitchFamily="18" charset="0"/>
+              </a:rPr>
+              <a:t>Terrorists most preferred target types are </a:t>
+            </a:r>
+            <a:r>
+              <a:rPr lang="en-US" sz="2000" dirty="0">
+                <a:solidFill>
                   <a:srgbClr val="FF0000"/>
                 </a:solidFill>
                 <a:latin typeface="Times New Roman" panose="02020603050405020304" pitchFamily="18" charset="0"/>
                 <a:cs typeface="Times New Roman" panose="02020603050405020304" pitchFamily="18" charset="0"/>
               </a:rPr>
-              <a:t> </a:t>
-            </a:r>
-            <a:r>
-              <a:rPr lang="en-US" sz="2000" dirty="0">
-                <a:latin typeface="Times New Roman" panose="02020603050405020304" pitchFamily="18" charset="0"/>
-                <a:cs typeface="Times New Roman" panose="02020603050405020304" pitchFamily="18" charset="0"/>
-              </a:rPr>
-              <a:t>these gang conduct large attack. These gangs conduct high number attacks mainly after 2000.</a:t>
-            </a:r>
-          </a:p>
-          <a:p>
-            <a:r>
-              <a:rPr lang="en-US" sz="2000" dirty="0">
-                <a:latin typeface="Times New Roman" panose="02020603050405020304" pitchFamily="18" charset="0"/>
-                <a:cs typeface="Times New Roman" panose="02020603050405020304" pitchFamily="18" charset="0"/>
-              </a:rPr>
-              <a:t>Baghdad and Karachi is top cities well known for Terrorism.</a:t>
-            </a:r>
-          </a:p>
-          <a:p>
-            <a:r>
-              <a:rPr lang="en-US" sz="2000" dirty="0">
-                <a:latin typeface="Times New Roman" panose="02020603050405020304" pitchFamily="18" charset="0"/>
-                <a:cs typeface="Times New Roman" panose="02020603050405020304" pitchFamily="18" charset="0"/>
-              </a:rPr>
-              <a:t>Iraq, Pakistan, India, Afghanistan</a:t>
-            </a:r>
-          </a:p>
-          <a:p>
-            <a:r>
-              <a:rPr lang="en-US" sz="2000" dirty="0">
-                <a:latin typeface="Times New Roman" panose="02020603050405020304" pitchFamily="18" charset="0"/>
-                <a:cs typeface="Times New Roman" panose="02020603050405020304" pitchFamily="18" charset="0"/>
-              </a:rPr>
-              <a:t>After </a:t>
-            </a:r>
-            <a:r>
-              <a:rPr lang="en-US" sz="2000" b="1" dirty="0">
-                <a:solidFill>
-                  <a:srgbClr val="0070C0"/>
-                </a:solidFill>
-                <a:latin typeface="Times New Roman" panose="02020603050405020304" pitchFamily="18" charset="0"/>
-                <a:cs typeface="Times New Roman" panose="02020603050405020304" pitchFamily="18" charset="0"/>
-              </a:rPr>
-              <a:t>2004</a:t>
-            </a:r>
-            <a:r>
-              <a:rPr lang="en-US" sz="2000" dirty="0">
-                <a:latin typeface="Times New Roman" panose="02020603050405020304" pitchFamily="18" charset="0"/>
-                <a:cs typeface="Times New Roman" panose="02020603050405020304" pitchFamily="18" charset="0"/>
-              </a:rPr>
-              <a:t> the number of terrorist attack get double every year , in the year </a:t>
-            </a:r>
-            <a:r>
-              <a:rPr lang="en-US" sz="2000" b="1" dirty="0">
-                <a:solidFill>
-                  <a:srgbClr val="0070C0"/>
-                </a:solidFill>
-                <a:latin typeface="Times New Roman" panose="02020603050405020304" pitchFamily="18" charset="0"/>
-                <a:cs typeface="Times New Roman" panose="02020603050405020304" pitchFamily="18" charset="0"/>
-              </a:rPr>
-              <a:t>2015,</a:t>
-            </a:r>
-            <a:r>
-              <a:rPr lang="en-US" sz="2000" b="1" dirty="0">
-                <a:latin typeface="Times New Roman" panose="02020603050405020304" pitchFamily="18" charset="0"/>
-                <a:cs typeface="Times New Roman" panose="02020603050405020304" pitchFamily="18" charset="0"/>
-              </a:rPr>
-              <a:t> </a:t>
-            </a:r>
-            <a:r>
-              <a:rPr lang="en-US" sz="2000" dirty="0">
-                <a:latin typeface="Times New Roman" panose="02020603050405020304" pitchFamily="18" charset="0"/>
-                <a:cs typeface="Times New Roman" panose="02020603050405020304" pitchFamily="18" charset="0"/>
-              </a:rPr>
-              <a:t> </a:t>
-            </a:r>
-            <a:r>
-              <a:rPr lang="en-US" sz="2000" b="1" dirty="0">
-                <a:solidFill>
-                  <a:srgbClr val="0070C0"/>
-                </a:solidFill>
-                <a:latin typeface="Times New Roman" panose="02020603050405020304" pitchFamily="18" charset="0"/>
-                <a:cs typeface="Times New Roman" panose="02020603050405020304" pitchFamily="18" charset="0"/>
-              </a:rPr>
-              <a:t>15975</a:t>
-            </a:r>
-            <a:r>
-              <a:rPr lang="en-US" sz="2000" dirty="0">
-                <a:latin typeface="Times New Roman" panose="02020603050405020304" pitchFamily="18" charset="0"/>
-                <a:cs typeface="Times New Roman" panose="02020603050405020304" pitchFamily="18" charset="0"/>
-              </a:rPr>
-              <a:t> attack has been recorder.</a:t>
-            </a:r>
-          </a:p>
-          <a:p>
-            <a:r>
-              <a:rPr lang="en-US" sz="2000" dirty="0">
-                <a:latin typeface="Times New Roman" panose="02020603050405020304" pitchFamily="18" charset="0"/>
-                <a:cs typeface="Times New Roman" panose="02020603050405020304" pitchFamily="18" charset="0"/>
-              </a:rPr>
-              <a:t>The total attack was in history 181k, after 2000 the attacks was 104K attack recorded.</a:t>
-            </a:r>
-          </a:p>
-          <a:p>
-            <a:r>
-              <a:rPr lang="en-US" sz="2000" dirty="0">
-                <a:latin typeface="Times New Roman" panose="02020603050405020304" pitchFamily="18" charset="0"/>
-                <a:cs typeface="Times New Roman" panose="02020603050405020304" pitchFamily="18" charset="0"/>
-              </a:rPr>
-              <a:t>The Ransom cases are highly seen in South Asia, South America, Sub-Sharan Africa.</a:t>
-            </a:r>
-          </a:p>
-          <a:p>
-            <a:r>
-              <a:rPr lang="en-US" sz="2000" dirty="0">
-                <a:latin typeface="Times New Roman" panose="02020603050405020304" pitchFamily="18" charset="0"/>
-                <a:cs typeface="Times New Roman" panose="02020603050405020304" pitchFamily="18" charset="0"/>
-              </a:rPr>
-              <a:t>Terrorist most target types are Private Citizen &amp; property, Government, Military and Police</a:t>
+              <a:t>Private Citizen &amp; property, Government, Military and Police</a:t>
             </a:r>
           </a:p>
           <a:p>
@@ -6665,13 +6638,13 @@
   <p:clrMapOvr>
     <a:masterClrMapping/>
   </p:clrMapOvr>
-  <mc:AlternateContent xmlns:mc="http://schemas.openxmlformats.org/markup-compatibility/2006">
-    <mc:Choice xmlns:p159="http://schemas.microsoft.com/office/powerpoint/2015/09/main" Requires="p159">
+  <mc:AlternateContent xmlns:mc="http://schemas.openxmlformats.org/markup-compatibility/2006" xmlns:p159="http://schemas.microsoft.com/office/powerpoint/2015/09/main">
+    <mc:Choice Requires="p159">
       <p:transition xmlns:p14="http://schemas.microsoft.com/office/powerpoint/2010/main" spd="slow" p14:dur="2000">
         <p159:morph option="byObject"/>
       </p:transition>
     </mc:Choice>
-    <mc:Fallback>
+    <mc:Fallback xmlns="">
       <p:transition spd="slow">
         <p:fade/>
       </p:transition>
@@ -6715,7 +6688,7 @@
         </p:nvSpPr>
         <p:spPr>
           <a:xfrm>
-            <a:off x="1887006" y="679558"/>
+            <a:off x="1887006" y="551738"/>
             <a:ext cx="7256994" cy="539643"/>
           </a:xfrm>
         </p:spPr>
@@ -6727,7 +6700,7 @@
           <a:p>
             <a:r>
               <a:rPr lang="en-IN" dirty="0"/>
-              <a:t>Insights</a:t>
+              <a:t>Pattern and insights</a:t>
             </a:r>
           </a:p>
         </p:txBody>
@@ -6853,15 +6826,6 @@
                 <a:cs typeface="Times New Roman" panose="02020603050405020304" pitchFamily="18" charset="0"/>
               </a:rPr>
               <a:t>.</a:t>
-            </a:r>
-          </a:p>
-          <a:p>
-            <a:r>
-              <a:rPr lang="en-US" sz="2000" dirty="0">
-                <a:latin typeface="Times New Roman" panose="02020603050405020304" pitchFamily="18" charset="0"/>
-                <a:cs typeface="Times New Roman" panose="02020603050405020304" pitchFamily="18" charset="0"/>
-              </a:rPr>
-              <a:t>Attack</a:t>
             </a:r>
           </a:p>
           <a:p>
@@ -6894,13 +6858,13 @@
   <p:clrMapOvr>
     <a:masterClrMapping/>
   </p:clrMapOvr>
-  <mc:AlternateContent xmlns:mc="http://schemas.openxmlformats.org/markup-compatibility/2006">
-    <mc:Choice xmlns:p159="http://schemas.microsoft.com/office/powerpoint/2015/09/main" Requires="p159">
+  <mc:AlternateContent xmlns:mc="http://schemas.openxmlformats.org/markup-compatibility/2006" xmlns:p159="http://schemas.microsoft.com/office/powerpoint/2015/09/main">
+    <mc:Choice Requires="p159">
       <p:transition xmlns:p14="http://schemas.microsoft.com/office/powerpoint/2010/main" spd="slow" p14:dur="2000">
         <p159:morph option="byObject"/>
       </p:transition>
     </mc:Choice>
-    <mc:Fallback>
+    <mc:Fallback xmlns="">
       <p:transition spd="slow">
         <p:fade/>
       </p:transition>

--- a/ppt.pptx
+++ b/ppt.pptx
@@ -219,7 +219,7 @@
           <a:p>
             <a:fld id="{C4C5836C-2321-4C88-B91E-A457FB3FE8C4}" type="datetimeFigureOut">
               <a:rPr lang="en-IN" smtClean="0"/>
-              <a:t>16-03-2023</a:t>
+              <a:t>19-03-2023</a:t>
             </a:fld>
             <a:endParaRPr lang="en-IN"/>
           </a:p>
@@ -650,7 +650,7 @@
           <a:p>
             <a:fld id="{0DB41AEA-FD27-4C32-8C63-7E4C6DC1D784}" type="datetimeFigureOut">
               <a:rPr lang="en-IN" smtClean="0"/>
-              <a:t>16-03-2023</a:t>
+              <a:t>19-03-2023</a:t>
             </a:fld>
             <a:endParaRPr lang="en-IN"/>
           </a:p>
@@ -820,7 +820,7 @@
           <a:p>
             <a:fld id="{0DB41AEA-FD27-4C32-8C63-7E4C6DC1D784}" type="datetimeFigureOut">
               <a:rPr lang="en-IN" smtClean="0"/>
-              <a:t>16-03-2023</a:t>
+              <a:t>19-03-2023</a:t>
             </a:fld>
             <a:endParaRPr lang="en-IN"/>
           </a:p>
@@ -1000,7 +1000,7 @@
           <a:p>
             <a:fld id="{0DB41AEA-FD27-4C32-8C63-7E4C6DC1D784}" type="datetimeFigureOut">
               <a:rPr lang="en-IN" smtClean="0"/>
-              <a:t>16-03-2023</a:t>
+              <a:t>19-03-2023</a:t>
             </a:fld>
             <a:endParaRPr lang="en-IN"/>
           </a:p>
@@ -1170,7 +1170,7 @@
           <a:p>
             <a:fld id="{0DB41AEA-FD27-4C32-8C63-7E4C6DC1D784}" type="datetimeFigureOut">
               <a:rPr lang="en-IN" smtClean="0"/>
-              <a:t>16-03-2023</a:t>
+              <a:t>19-03-2023</a:t>
             </a:fld>
             <a:endParaRPr lang="en-IN"/>
           </a:p>
@@ -1438,7 +1438,7 @@
           <a:p>
             <a:fld id="{0DB41AEA-FD27-4C32-8C63-7E4C6DC1D784}" type="datetimeFigureOut">
               <a:rPr lang="en-IN" smtClean="0"/>
-              <a:t>16-03-2023</a:t>
+              <a:t>19-03-2023</a:t>
             </a:fld>
             <a:endParaRPr lang="en-IN"/>
           </a:p>
@@ -1670,7 +1670,7 @@
           <a:p>
             <a:fld id="{0DB41AEA-FD27-4C32-8C63-7E4C6DC1D784}" type="datetimeFigureOut">
               <a:rPr lang="en-IN" smtClean="0"/>
-              <a:t>16-03-2023</a:t>
+              <a:t>19-03-2023</a:t>
             </a:fld>
             <a:endParaRPr lang="en-IN"/>
           </a:p>
@@ -2029,7 +2029,7 @@
           <a:p>
             <a:fld id="{0DB41AEA-FD27-4C32-8C63-7E4C6DC1D784}" type="datetimeFigureOut">
               <a:rPr lang="en-IN" smtClean="0"/>
-              <a:t>16-03-2023</a:t>
+              <a:t>19-03-2023</a:t>
             </a:fld>
             <a:endParaRPr lang="en-IN"/>
           </a:p>
@@ -2170,7 +2170,7 @@
           <a:p>
             <a:fld id="{0DB41AEA-FD27-4C32-8C63-7E4C6DC1D784}" type="datetimeFigureOut">
               <a:rPr lang="en-IN" smtClean="0"/>
-              <a:t>16-03-2023</a:t>
+              <a:t>19-03-2023</a:t>
             </a:fld>
             <a:endParaRPr lang="en-IN"/>
           </a:p>
@@ -2265,7 +2265,7 @@
           <a:p>
             <a:fld id="{0DB41AEA-FD27-4C32-8C63-7E4C6DC1D784}" type="datetimeFigureOut">
               <a:rPr lang="en-IN" smtClean="0"/>
-              <a:t>16-03-2023</a:t>
+              <a:t>19-03-2023</a:t>
             </a:fld>
             <a:endParaRPr lang="en-IN"/>
           </a:p>
@@ -2622,7 +2622,7 @@
           <a:p>
             <a:fld id="{0DB41AEA-FD27-4C32-8C63-7E4C6DC1D784}" type="datetimeFigureOut">
               <a:rPr lang="en-IN" smtClean="0"/>
-              <a:t>16-03-2023</a:t>
+              <a:t>19-03-2023</a:t>
             </a:fld>
             <a:endParaRPr lang="en-IN"/>
           </a:p>
@@ -2979,7 +2979,7 @@
           <a:p>
             <a:fld id="{0DB41AEA-FD27-4C32-8C63-7E4C6DC1D784}" type="datetimeFigureOut">
               <a:rPr lang="en-IN" smtClean="0"/>
-              <a:t>16-03-2023</a:t>
+              <a:t>19-03-2023</a:t>
             </a:fld>
             <a:endParaRPr lang="en-IN"/>
           </a:p>
@@ -3221,7 +3221,7 @@
           <a:p>
             <a:fld id="{0DB41AEA-FD27-4C32-8C63-7E4C6DC1D784}" type="datetimeFigureOut">
               <a:rPr lang="en-IN" smtClean="0"/>
-              <a:t>16-03-2023</a:t>
+              <a:t>19-03-2023</a:t>
             </a:fld>
             <a:endParaRPr lang="en-IN"/>
           </a:p>
@@ -6818,15 +6818,29 @@
                 <a:latin typeface="Times New Roman" panose="02020603050405020304" pitchFamily="18" charset="0"/>
                 <a:cs typeface="Times New Roman" panose="02020603050405020304" pitchFamily="18" charset="0"/>
               </a:rPr>
-              <a:t>(Iraq)</a:t>
-            </a:r>
-            <a:r>
-              <a:rPr lang="en-US" sz="2000" dirty="0">
+              <a:t>(</a:t>
+            </a:r>
+            <a:r>
+              <a:rPr lang="en-US" sz="2000">
+                <a:solidFill>
+                  <a:schemeClr val="tx1"/>
+                </a:solidFill>
+                <a:latin typeface="Times New Roman" panose="02020603050405020304" pitchFamily="18" charset="0"/>
+                <a:cs typeface="Times New Roman" panose="02020603050405020304" pitchFamily="18" charset="0"/>
+              </a:rPr>
+              <a:t>Iraq country)</a:t>
+            </a:r>
+            <a:r>
+              <a:rPr lang="en-US" sz="2000">
                 <a:latin typeface="Times New Roman" panose="02020603050405020304" pitchFamily="18" charset="0"/>
                 <a:cs typeface="Times New Roman" panose="02020603050405020304" pitchFamily="18" charset="0"/>
               </a:rPr>
               <a:t>.</a:t>
             </a:r>
+            <a:endParaRPr lang="en-US" sz="2000" dirty="0">
+              <a:latin typeface="Times New Roman" panose="02020603050405020304" pitchFamily="18" charset="0"/>
+              <a:cs typeface="Times New Roman" panose="02020603050405020304" pitchFamily="18" charset="0"/>
+            </a:endParaRPr>
           </a:p>
           <a:p>
             <a:pPr marL="0" indent="0">

--- a/ppt.pptx
+++ b/ppt.pptx
@@ -219,7 +219,7 @@
           <a:p>
             <a:fld id="{C4C5836C-2321-4C88-B91E-A457FB3FE8C4}" type="datetimeFigureOut">
               <a:rPr lang="en-IN" smtClean="0"/>
-              <a:t>19-03-2023</a:t>
+              <a:t>21-03-2023</a:t>
             </a:fld>
             <a:endParaRPr lang="en-IN"/>
           </a:p>
@@ -650,7 +650,7 @@
           <a:p>
             <a:fld id="{0DB41AEA-FD27-4C32-8C63-7E4C6DC1D784}" type="datetimeFigureOut">
               <a:rPr lang="en-IN" smtClean="0"/>
-              <a:t>19-03-2023</a:t>
+              <a:t>21-03-2023</a:t>
             </a:fld>
             <a:endParaRPr lang="en-IN"/>
           </a:p>
@@ -820,7 +820,7 @@
           <a:p>
             <a:fld id="{0DB41AEA-FD27-4C32-8C63-7E4C6DC1D784}" type="datetimeFigureOut">
               <a:rPr lang="en-IN" smtClean="0"/>
-              <a:t>19-03-2023</a:t>
+              <a:t>21-03-2023</a:t>
             </a:fld>
             <a:endParaRPr lang="en-IN"/>
           </a:p>
@@ -1000,7 +1000,7 @@
           <a:p>
             <a:fld id="{0DB41AEA-FD27-4C32-8C63-7E4C6DC1D784}" type="datetimeFigureOut">
               <a:rPr lang="en-IN" smtClean="0"/>
-              <a:t>19-03-2023</a:t>
+              <a:t>21-03-2023</a:t>
             </a:fld>
             <a:endParaRPr lang="en-IN"/>
           </a:p>
@@ -1170,7 +1170,7 @@
           <a:p>
             <a:fld id="{0DB41AEA-FD27-4C32-8C63-7E4C6DC1D784}" type="datetimeFigureOut">
               <a:rPr lang="en-IN" smtClean="0"/>
-              <a:t>19-03-2023</a:t>
+              <a:t>21-03-2023</a:t>
             </a:fld>
             <a:endParaRPr lang="en-IN"/>
           </a:p>
@@ -1438,7 +1438,7 @@
           <a:p>
             <a:fld id="{0DB41AEA-FD27-4C32-8C63-7E4C6DC1D784}" type="datetimeFigureOut">
               <a:rPr lang="en-IN" smtClean="0"/>
-              <a:t>19-03-2023</a:t>
+              <a:t>21-03-2023</a:t>
             </a:fld>
             <a:endParaRPr lang="en-IN"/>
           </a:p>
@@ -1670,7 +1670,7 @@
           <a:p>
             <a:fld id="{0DB41AEA-FD27-4C32-8C63-7E4C6DC1D784}" type="datetimeFigureOut">
               <a:rPr lang="en-IN" smtClean="0"/>
-              <a:t>19-03-2023</a:t>
+              <a:t>21-03-2023</a:t>
             </a:fld>
             <a:endParaRPr lang="en-IN"/>
           </a:p>
@@ -2029,7 +2029,7 @@
           <a:p>
             <a:fld id="{0DB41AEA-FD27-4C32-8C63-7E4C6DC1D784}" type="datetimeFigureOut">
               <a:rPr lang="en-IN" smtClean="0"/>
-              <a:t>19-03-2023</a:t>
+              <a:t>21-03-2023</a:t>
             </a:fld>
             <a:endParaRPr lang="en-IN"/>
           </a:p>
@@ -2170,7 +2170,7 @@
           <a:p>
             <a:fld id="{0DB41AEA-FD27-4C32-8C63-7E4C6DC1D784}" type="datetimeFigureOut">
               <a:rPr lang="en-IN" smtClean="0"/>
-              <a:t>19-03-2023</a:t>
+              <a:t>21-03-2023</a:t>
             </a:fld>
             <a:endParaRPr lang="en-IN"/>
           </a:p>
@@ -2265,7 +2265,7 @@
           <a:p>
             <a:fld id="{0DB41AEA-FD27-4C32-8C63-7E4C6DC1D784}" type="datetimeFigureOut">
               <a:rPr lang="en-IN" smtClean="0"/>
-              <a:t>19-03-2023</a:t>
+              <a:t>21-03-2023</a:t>
             </a:fld>
             <a:endParaRPr lang="en-IN"/>
           </a:p>
@@ -2622,7 +2622,7 @@
           <a:p>
             <a:fld id="{0DB41AEA-FD27-4C32-8C63-7E4C6DC1D784}" type="datetimeFigureOut">
               <a:rPr lang="en-IN" smtClean="0"/>
-              <a:t>19-03-2023</a:t>
+              <a:t>21-03-2023</a:t>
             </a:fld>
             <a:endParaRPr lang="en-IN"/>
           </a:p>
@@ -2979,7 +2979,7 @@
           <a:p>
             <a:fld id="{0DB41AEA-FD27-4C32-8C63-7E4C6DC1D784}" type="datetimeFigureOut">
               <a:rPr lang="en-IN" smtClean="0"/>
-              <a:t>19-03-2023</a:t>
+              <a:t>21-03-2023</a:t>
             </a:fld>
             <a:endParaRPr lang="en-IN"/>
           </a:p>
@@ -3221,7 +3221,7 @@
           <a:p>
             <a:fld id="{0DB41AEA-FD27-4C32-8C63-7E4C6DC1D784}" type="datetimeFigureOut">
               <a:rPr lang="en-IN" smtClean="0"/>
-              <a:t>19-03-2023</a:t>
+              <a:t>21-03-2023</a:t>
             </a:fld>
             <a:endParaRPr lang="en-IN"/>
           </a:p>
@@ -6473,7 +6473,21 @@
                 <a:latin typeface="Times New Roman" panose="02020603050405020304" pitchFamily="18" charset="0"/>
                 <a:cs typeface="Times New Roman" panose="02020603050405020304" pitchFamily="18" charset="0"/>
               </a:rPr>
-              <a:t> the number of terrorist attack get double every year , in the year </a:t>
+              <a:t> the number of terrorist attack </a:t>
+            </a:r>
+            <a:r>
+              <a:rPr lang="en-US" sz="2000">
+                <a:latin typeface="Times New Roman" panose="02020603050405020304" pitchFamily="18" charset="0"/>
+                <a:cs typeface="Times New Roman" panose="02020603050405020304" pitchFamily="18" charset="0"/>
+              </a:rPr>
+              <a:t>get doubled </a:t>
+            </a:r>
+            <a:r>
+              <a:rPr lang="en-US" sz="2000" dirty="0">
+                <a:latin typeface="Times New Roman" panose="02020603050405020304" pitchFamily="18" charset="0"/>
+                <a:cs typeface="Times New Roman" panose="02020603050405020304" pitchFamily="18" charset="0"/>
+              </a:rPr>
+              <a:t>every year , in the year </a:t>
             </a:r>
             <a:r>
               <a:rPr lang="en-US" sz="2000" b="1" dirty="0">
